--- a/Weblap.pptx
+++ b/Weblap.pptx
@@ -7235,6 +7235,48 @@
           </a:p>
         </p:txBody>
       </p:sp>
+      <p:sp>
+        <p:nvSpPr>
+          <p:cNvPr id="4" name="Szövegdoboz 3">
+            <a:hlinkClick r:id="rId2" action="ppaction://hlinksldjump"/>
+            <a:extLst>
+              <a:ext uri="{FF2B5EF4-FFF2-40B4-BE49-F238E27FC236}">
+                <a16:creationId xmlns:a16="http://schemas.microsoft.com/office/drawing/2014/main" id="{0565AF41-6B89-4BB0-9A5B-BC27D44355A5}"/>
+              </a:ext>
+            </a:extLst>
+          </p:cNvPr>
+          <p:cNvSpPr txBox="1"/>
+          <p:nvPr/>
+        </p:nvSpPr>
+        <p:spPr>
+          <a:xfrm>
+            <a:off x="10536865" y="6176963"/>
+            <a:ext cx="1360968" cy="369332"/>
+          </a:xfrm>
+          <a:prstGeom prst="rect">
+            <a:avLst/>
+          </a:prstGeom>
+          <a:noFill/>
+        </p:spPr>
+        <p:txBody>
+          <a:bodyPr wrap="square" rtlCol="0">
+            <a:spAutoFit/>
+          </a:bodyPr>
+          <a:lstStyle/>
+          <a:p>
+            <a:r>
+              <a:rPr lang="hu-HU" dirty="0">
+                <a:solidFill>
+                  <a:schemeClr val="accent6">
+                    <a:lumMod val="75000"/>
+                  </a:schemeClr>
+                </a:solidFill>
+              </a:rPr>
+              <a:t>vissza</a:t>
+            </a:r>
+          </a:p>
+        </p:txBody>
+      </p:sp>
     </p:spTree>
     <p:extLst>
       <p:ext uri="{BB962C8B-B14F-4D97-AF65-F5344CB8AC3E}">
@@ -7369,6 +7411,48 @@
           </a:p>
         </p:txBody>
       </p:sp>
+      <p:sp>
+        <p:nvSpPr>
+          <p:cNvPr id="4" name="Szövegdoboz 3">
+            <a:hlinkClick r:id="rId2" action="ppaction://hlinksldjump"/>
+            <a:extLst>
+              <a:ext uri="{FF2B5EF4-FFF2-40B4-BE49-F238E27FC236}">
+                <a16:creationId xmlns:a16="http://schemas.microsoft.com/office/drawing/2014/main" id="{F9422400-5B87-49C4-95C9-3440C831AF32}"/>
+              </a:ext>
+            </a:extLst>
+          </p:cNvPr>
+          <p:cNvSpPr txBox="1"/>
+          <p:nvPr/>
+        </p:nvSpPr>
+        <p:spPr>
+          <a:xfrm>
+            <a:off x="10536865" y="6176963"/>
+            <a:ext cx="1360968" cy="369332"/>
+          </a:xfrm>
+          <a:prstGeom prst="rect">
+            <a:avLst/>
+          </a:prstGeom>
+          <a:noFill/>
+        </p:spPr>
+        <p:txBody>
+          <a:bodyPr wrap="square" rtlCol="0">
+            <a:spAutoFit/>
+          </a:bodyPr>
+          <a:lstStyle/>
+          <a:p>
+            <a:r>
+              <a:rPr lang="hu-HU" dirty="0">
+                <a:solidFill>
+                  <a:schemeClr val="accent6">
+                    <a:lumMod val="75000"/>
+                  </a:schemeClr>
+                </a:solidFill>
+              </a:rPr>
+              <a:t>vissza</a:t>
+            </a:r>
+          </a:p>
+        </p:txBody>
+      </p:sp>
     </p:spTree>
     <p:extLst>
       <p:ext uri="{BB962C8B-B14F-4D97-AF65-F5344CB8AC3E}">
@@ -7545,6 +7629,48 @@
                 </a:solidFill>
               </a:rPr>
               <a:t> elnevezései.</a:t>
+            </a:r>
+          </a:p>
+        </p:txBody>
+      </p:sp>
+      <p:sp>
+        <p:nvSpPr>
+          <p:cNvPr id="4" name="Szövegdoboz 3">
+            <a:hlinkClick r:id="rId2" action="ppaction://hlinksldjump"/>
+            <a:extLst>
+              <a:ext uri="{FF2B5EF4-FFF2-40B4-BE49-F238E27FC236}">
+                <a16:creationId xmlns:a16="http://schemas.microsoft.com/office/drawing/2014/main" id="{DA889D35-374B-4F3D-BA81-D31E13A8760F}"/>
+              </a:ext>
+            </a:extLst>
+          </p:cNvPr>
+          <p:cNvSpPr txBox="1"/>
+          <p:nvPr/>
+        </p:nvSpPr>
+        <p:spPr>
+          <a:xfrm>
+            <a:off x="10536865" y="6176963"/>
+            <a:ext cx="1360968" cy="369332"/>
+          </a:xfrm>
+          <a:prstGeom prst="rect">
+            <a:avLst/>
+          </a:prstGeom>
+          <a:noFill/>
+        </p:spPr>
+        <p:txBody>
+          <a:bodyPr wrap="square" rtlCol="0">
+            <a:spAutoFit/>
+          </a:bodyPr>
+          <a:lstStyle/>
+          <a:p>
+            <a:r>
+              <a:rPr lang="hu-HU" dirty="0">
+                <a:solidFill>
+                  <a:schemeClr val="accent6">
+                    <a:lumMod val="75000"/>
+                  </a:schemeClr>
+                </a:solidFill>
+              </a:rPr>
+              <a:t>vissza</a:t>
             </a:r>
           </a:p>
         </p:txBody>

--- a/Weblap.pptx
+++ b/Weblap.pptx
@@ -7142,101 +7142,6 @@
       </p:sp>
       <p:sp>
         <p:nvSpPr>
-          <p:cNvPr id="3" name="Tartalom helye 2">
-            <a:extLst>
-              <a:ext uri="{FF2B5EF4-FFF2-40B4-BE49-F238E27FC236}">
-                <a16:creationId xmlns:a16="http://schemas.microsoft.com/office/drawing/2014/main" id="{49D3F264-11AD-42D3-9E06-358E57EC72DE}"/>
-              </a:ext>
-            </a:extLst>
-          </p:cNvPr>
-          <p:cNvSpPr>
-            <a:spLocks noGrp="1"/>
-          </p:cNvSpPr>
-          <p:nvPr>
-            <p:ph idx="1"/>
-          </p:nvPr>
-        </p:nvSpPr>
-        <p:spPr/>
-        <p:txBody>
-          <a:bodyPr/>
-          <a:lstStyle/>
-          <a:p>
-            <a:r>
-              <a:rPr lang="hu-HU" dirty="0">
-                <a:solidFill>
-                  <a:schemeClr val="accent6">
-                    <a:lumMod val="75000"/>
-                  </a:schemeClr>
-                </a:solidFill>
-              </a:rPr>
-              <a:t>A </a:t>
-            </a:r>
-            <a:r>
-              <a:rPr lang="hu-HU" dirty="0" err="1">
-                <a:solidFill>
-                  <a:schemeClr val="accent6">
-                    <a:lumMod val="75000"/>
-                  </a:schemeClr>
-                </a:solidFill>
-              </a:rPr>
-              <a:t>ccs-ünkbe</a:t>
-            </a:r>
-            <a:r>
-              <a:rPr lang="hu-HU" dirty="0">
-                <a:solidFill>
-                  <a:schemeClr val="accent6">
-                    <a:lumMod val="75000"/>
-                  </a:schemeClr>
-                </a:solidFill>
-              </a:rPr>
-              <a:t> találhatók a weblap kinézetére vonatkozó szerkesztések.</a:t>
-            </a:r>
-          </a:p>
-          <a:p>
-            <a:r>
-              <a:rPr lang="hu-HU" dirty="0">
-                <a:solidFill>
-                  <a:schemeClr val="accent6">
-                    <a:lumMod val="75000"/>
-                  </a:schemeClr>
-                </a:solidFill>
-              </a:rPr>
-              <a:t>Itt találhatók a navigációs elemek szerkesztései, a </a:t>
-            </a:r>
-            <a:r>
-              <a:rPr lang="hu-HU" dirty="0" err="1">
-                <a:solidFill>
-                  <a:schemeClr val="accent6">
-                    <a:lumMod val="75000"/>
-                  </a:schemeClr>
-                </a:solidFill>
-              </a:rPr>
-              <a:t>különmböző</a:t>
-            </a:r>
-            <a:r>
-              <a:rPr lang="hu-HU" dirty="0">
-                <a:solidFill>
-                  <a:schemeClr val="accent6">
-                    <a:lumMod val="75000"/>
-                  </a:schemeClr>
-                </a:solidFill>
-              </a:rPr>
-              <a:t> szövegek illetve a weblapnak a színei.</a:t>
-            </a:r>
-          </a:p>
-          <a:p>
-            <a:endParaRPr lang="hu-HU" dirty="0">
-              <a:solidFill>
-                <a:schemeClr val="accent6">
-                  <a:lumMod val="75000"/>
-                </a:schemeClr>
-              </a:solidFill>
-            </a:endParaRPr>
-          </a:p>
-        </p:txBody>
-      </p:sp>
-      <p:sp>
-        <p:nvSpPr>
           <p:cNvPr id="4" name="Szövegdoboz 3">
             <a:hlinkClick r:id="rId2" action="ppaction://hlinksldjump"/>
             <a:extLst>
@@ -7277,6 +7182,170 @@
           </a:p>
         </p:txBody>
       </p:sp>
+      <p:sp>
+        <p:nvSpPr>
+          <p:cNvPr id="5" name="Szövegdoboz 4">
+            <a:extLst>
+              <a:ext uri="{FF2B5EF4-FFF2-40B4-BE49-F238E27FC236}">
+                <a16:creationId xmlns:a16="http://schemas.microsoft.com/office/drawing/2014/main" id="{454A6F6F-F0BD-4ECC-BDA0-29956847E799}"/>
+              </a:ext>
+            </a:extLst>
+          </p:cNvPr>
+          <p:cNvSpPr txBox="1"/>
+          <p:nvPr/>
+        </p:nvSpPr>
+        <p:spPr>
+          <a:xfrm>
+            <a:off x="5576776" y="2455189"/>
+            <a:ext cx="5979042" cy="923330"/>
+          </a:xfrm>
+          <a:prstGeom prst="rect">
+            <a:avLst/>
+          </a:prstGeom>
+          <a:noFill/>
+        </p:spPr>
+        <p:txBody>
+          <a:bodyPr wrap="square" rtlCol="0">
+            <a:spAutoFit/>
+          </a:bodyPr>
+          <a:lstStyle/>
+          <a:p>
+            <a:r>
+              <a:rPr lang="hu-HU" dirty="0">
+                <a:solidFill>
+                  <a:schemeClr val="accent6">
+                    <a:lumMod val="75000"/>
+                  </a:schemeClr>
+                </a:solidFill>
+              </a:rPr>
+              <a:t>Itt találhatók a navigációs elemek szerkesztései, a </a:t>
+            </a:r>
+            <a:r>
+              <a:rPr lang="hu-HU" dirty="0" err="1">
+                <a:solidFill>
+                  <a:schemeClr val="accent6">
+                    <a:lumMod val="75000"/>
+                  </a:schemeClr>
+                </a:solidFill>
+              </a:rPr>
+              <a:t>különmböző</a:t>
+            </a:r>
+            <a:r>
+              <a:rPr lang="hu-HU" dirty="0">
+                <a:solidFill>
+                  <a:schemeClr val="accent6">
+                    <a:lumMod val="75000"/>
+                  </a:schemeClr>
+                </a:solidFill>
+              </a:rPr>
+              <a:t> szövegek illetve a weblapnak a színei.</a:t>
+            </a:r>
+          </a:p>
+          <a:p>
+            <a:endParaRPr lang="hu-HU" dirty="0"/>
+          </a:p>
+        </p:txBody>
+      </p:sp>
+      <p:sp>
+        <p:nvSpPr>
+          <p:cNvPr id="6" name="Szövegdoboz 5">
+            <a:extLst>
+              <a:ext uri="{FF2B5EF4-FFF2-40B4-BE49-F238E27FC236}">
+                <a16:creationId xmlns:a16="http://schemas.microsoft.com/office/drawing/2014/main" id="{5EC4F04F-CE70-4E76-A075-6DF947BF968E}"/>
+              </a:ext>
+            </a:extLst>
+          </p:cNvPr>
+          <p:cNvSpPr txBox="1"/>
+          <p:nvPr/>
+        </p:nvSpPr>
+        <p:spPr>
+          <a:xfrm>
+            <a:off x="1308691" y="1222800"/>
+            <a:ext cx="4052777" cy="935776"/>
+          </a:xfrm>
+          <a:prstGeom prst="rect">
+            <a:avLst/>
+          </a:prstGeom>
+          <a:noFill/>
+        </p:spPr>
+        <p:txBody>
+          <a:bodyPr wrap="square" rtlCol="0">
+            <a:spAutoFit/>
+          </a:bodyPr>
+          <a:lstStyle/>
+          <a:p>
+            <a:r>
+              <a:rPr lang="hu-HU" dirty="0">
+                <a:solidFill>
+                  <a:schemeClr val="accent6">
+                    <a:lumMod val="75000"/>
+                  </a:schemeClr>
+                </a:solidFill>
+              </a:rPr>
+              <a:t>A </a:t>
+            </a:r>
+            <a:r>
+              <a:rPr lang="hu-HU" dirty="0" err="1">
+                <a:solidFill>
+                  <a:schemeClr val="accent6">
+                    <a:lumMod val="75000"/>
+                  </a:schemeClr>
+                </a:solidFill>
+              </a:rPr>
+              <a:t>ccs-ünkbe</a:t>
+            </a:r>
+            <a:r>
+              <a:rPr lang="hu-HU" dirty="0">
+                <a:solidFill>
+                  <a:schemeClr val="accent6">
+                    <a:lumMod val="75000"/>
+                  </a:schemeClr>
+                </a:solidFill>
+              </a:rPr>
+              <a:t> találhatók a weblap kinézetére vonatkozó szerkesztések.</a:t>
+            </a:r>
+          </a:p>
+          <a:p>
+            <a:endParaRPr lang="hu-HU" dirty="0"/>
+          </a:p>
+        </p:txBody>
+      </p:sp>
+      <p:pic>
+        <p:nvPicPr>
+          <p:cNvPr id="12" name="Kép 11">
+            <a:extLst>
+              <a:ext uri="{FF2B5EF4-FFF2-40B4-BE49-F238E27FC236}">
+                <a16:creationId xmlns:a16="http://schemas.microsoft.com/office/drawing/2014/main" id="{CFDF5764-B19F-4745-96BB-A572412EAC12}"/>
+              </a:ext>
+            </a:extLst>
+          </p:cNvPr>
+          <p:cNvPicPr>
+            <a:picLocks noChangeAspect="1"/>
+          </p:cNvPicPr>
+          <p:nvPr/>
+        </p:nvPicPr>
+        <p:blipFill>
+          <a:blip r:embed="rId3">
+            <a:extLst>
+              <a:ext uri="{28A0092B-C50C-407E-A947-70E740481C1C}">
+                <a14:useLocalDpi xmlns:a14="http://schemas.microsoft.com/office/drawing/2010/main" val="0"/>
+              </a:ext>
+            </a:extLst>
+          </a:blip>
+          <a:stretch>
+            <a:fillRect/>
+          </a:stretch>
+        </p:blipFill>
+        <p:spPr>
+          <a:xfrm>
+            <a:off x="1029587" y="2708336"/>
+            <a:ext cx="3520166" cy="3837959"/>
+          </a:xfrm>
+          <a:prstGeom prst="rect">
+            <a:avLst/>
+          </a:prstGeom>
+        </p:spPr>
+      </p:pic>
     </p:spTree>
     <p:extLst>
       <p:ext uri="{BB962C8B-B14F-4D97-AF65-F5344CB8AC3E}">
@@ -7290,6 +7359,206 @@
   <p:transition spd="slow">
     <p:push dir="u"/>
   </p:transition>
+  <p:timing>
+    <p:tnLst>
+      <p:par>
+        <p:cTn id="1" dur="indefinite" restart="never" nodeType="tmRoot">
+          <p:childTnLst>
+            <p:seq concurrent="1" nextAc="seek">
+              <p:cTn id="2" dur="indefinite" nodeType="mainSeq">
+                <p:childTnLst>
+                  <p:par>
+                    <p:cTn id="3" fill="hold">
+                      <p:stCondLst>
+                        <p:cond delay="indefinite"/>
+                      </p:stCondLst>
+                      <p:childTnLst>
+                        <p:par>
+                          <p:cTn id="4" fill="hold">
+                            <p:stCondLst>
+                              <p:cond delay="0"/>
+                            </p:stCondLst>
+                            <p:childTnLst>
+                              <p:par>
+                                <p:cTn id="5" presetID="10" presetClass="entr" presetSubtype="0" fill="hold" grpId="0" nodeType="clickEffect">
+                                  <p:stCondLst>
+                                    <p:cond delay="0"/>
+                                  </p:stCondLst>
+                                  <p:childTnLst>
+                                    <p:set>
+                                      <p:cBhvr>
+                                        <p:cTn id="6" dur="1" fill="hold">
+                                          <p:stCondLst>
+                                            <p:cond delay="0"/>
+                                          </p:stCondLst>
+                                        </p:cTn>
+                                        <p:tgtEl>
+                                          <p:spTgt spid="6"/>
+                                        </p:tgtEl>
+                                        <p:attrNameLst>
+                                          <p:attrName>style.visibility</p:attrName>
+                                        </p:attrNameLst>
+                                      </p:cBhvr>
+                                      <p:to>
+                                        <p:strVal val="visible"/>
+                                      </p:to>
+                                    </p:set>
+                                    <p:animEffect transition="in" filter="fade">
+                                      <p:cBhvr>
+                                        <p:cTn id="7" dur="500"/>
+                                        <p:tgtEl>
+                                          <p:spTgt spid="6"/>
+                                        </p:tgtEl>
+                                      </p:cBhvr>
+                                    </p:animEffect>
+                                  </p:childTnLst>
+                                </p:cTn>
+                              </p:par>
+                            </p:childTnLst>
+                          </p:cTn>
+                        </p:par>
+                      </p:childTnLst>
+                    </p:cTn>
+                  </p:par>
+                  <p:par>
+                    <p:cTn id="8" fill="hold">
+                      <p:stCondLst>
+                        <p:cond delay="indefinite"/>
+                      </p:stCondLst>
+                      <p:childTnLst>
+                        <p:par>
+                          <p:cTn id="9" fill="hold">
+                            <p:stCondLst>
+                              <p:cond delay="0"/>
+                            </p:stCondLst>
+                            <p:childTnLst>
+                              <p:par>
+                                <p:cTn id="10" presetID="10" presetClass="entr" presetSubtype="0" fill="hold" nodeType="clickEffect">
+                                  <p:stCondLst>
+                                    <p:cond delay="0"/>
+                                  </p:stCondLst>
+                                  <p:childTnLst>
+                                    <p:set>
+                                      <p:cBhvr>
+                                        <p:cTn id="11" dur="1" fill="hold">
+                                          <p:stCondLst>
+                                            <p:cond delay="0"/>
+                                          </p:stCondLst>
+                                        </p:cTn>
+                                        <p:tgtEl>
+                                          <p:spTgt spid="5">
+                                            <p:txEl>
+                                              <p:pRg st="0" end="0"/>
+                                            </p:txEl>
+                                          </p:spTgt>
+                                        </p:tgtEl>
+                                        <p:attrNameLst>
+                                          <p:attrName>style.visibility</p:attrName>
+                                        </p:attrNameLst>
+                                      </p:cBhvr>
+                                      <p:to>
+                                        <p:strVal val="visible"/>
+                                      </p:to>
+                                    </p:set>
+                                    <p:animEffect transition="in" filter="fade">
+                                      <p:cBhvr>
+                                        <p:cTn id="12" dur="500"/>
+                                        <p:tgtEl>
+                                          <p:spTgt spid="5">
+                                            <p:txEl>
+                                              <p:pRg st="0" end="0"/>
+                                            </p:txEl>
+                                          </p:spTgt>
+                                        </p:tgtEl>
+                                      </p:cBhvr>
+                                    </p:animEffect>
+                                  </p:childTnLst>
+                                </p:cTn>
+                              </p:par>
+                            </p:childTnLst>
+                          </p:cTn>
+                        </p:par>
+                      </p:childTnLst>
+                    </p:cTn>
+                  </p:par>
+                  <p:par>
+                    <p:cTn id="13" fill="hold">
+                      <p:stCondLst>
+                        <p:cond delay="indefinite"/>
+                      </p:stCondLst>
+                      <p:childTnLst>
+                        <p:par>
+                          <p:cTn id="14" fill="hold">
+                            <p:stCondLst>
+                              <p:cond delay="0"/>
+                            </p:stCondLst>
+                            <p:childTnLst>
+                              <p:par>
+                                <p:cTn id="15" presetID="10" presetClass="entr" presetSubtype="0" fill="hold" nodeType="clickEffect">
+                                  <p:stCondLst>
+                                    <p:cond delay="0"/>
+                                  </p:stCondLst>
+                                  <p:childTnLst>
+                                    <p:set>
+                                      <p:cBhvr>
+                                        <p:cTn id="16" dur="1" fill="hold">
+                                          <p:stCondLst>
+                                            <p:cond delay="0"/>
+                                          </p:stCondLst>
+                                        </p:cTn>
+                                        <p:tgtEl>
+                                          <p:spTgt spid="12"/>
+                                        </p:tgtEl>
+                                        <p:attrNameLst>
+                                          <p:attrName>style.visibility</p:attrName>
+                                        </p:attrNameLst>
+                                      </p:cBhvr>
+                                      <p:to>
+                                        <p:strVal val="visible"/>
+                                      </p:to>
+                                    </p:set>
+                                    <p:animEffect transition="in" filter="fade">
+                                      <p:cBhvr>
+                                        <p:cTn id="17" dur="500"/>
+                                        <p:tgtEl>
+                                          <p:spTgt spid="12"/>
+                                        </p:tgtEl>
+                                      </p:cBhvr>
+                                    </p:animEffect>
+                                  </p:childTnLst>
+                                </p:cTn>
+                              </p:par>
+                            </p:childTnLst>
+                          </p:cTn>
+                        </p:par>
+                      </p:childTnLst>
+                    </p:cTn>
+                  </p:par>
+                </p:childTnLst>
+              </p:cTn>
+              <p:prevCondLst>
+                <p:cond evt="onPrev" delay="0">
+                  <p:tgtEl>
+                    <p:sldTgt/>
+                  </p:tgtEl>
+                </p:cond>
+              </p:prevCondLst>
+              <p:nextCondLst>
+                <p:cond evt="onNext" delay="0">
+                  <p:tgtEl>
+                    <p:sldTgt/>
+                  </p:tgtEl>
+                </p:cond>
+              </p:nextCondLst>
+            </p:seq>
+          </p:childTnLst>
+        </p:cTn>
+      </p:par>
+    </p:tnLst>
+    <p:bldLst>
+      <p:bldP spid="6" grpId="0"/>
+    </p:bldLst>
+  </p:timing>
 </p:sld>
 </file>
 
@@ -7355,64 +7624,6 @@
       </p:sp>
       <p:sp>
         <p:nvSpPr>
-          <p:cNvPr id="3" name="Tartalom helye 2">
-            <a:extLst>
-              <a:ext uri="{FF2B5EF4-FFF2-40B4-BE49-F238E27FC236}">
-                <a16:creationId xmlns:a16="http://schemas.microsoft.com/office/drawing/2014/main" id="{49D3F264-11AD-42D3-9E06-358E57EC72DE}"/>
-              </a:ext>
-            </a:extLst>
-          </p:cNvPr>
-          <p:cNvSpPr>
-            <a:spLocks noGrp="1"/>
-          </p:cNvSpPr>
-          <p:nvPr>
-            <p:ph idx="1"/>
-          </p:nvPr>
-        </p:nvSpPr>
-        <p:spPr/>
-        <p:txBody>
-          <a:bodyPr/>
-          <a:lstStyle/>
-          <a:p>
-            <a:r>
-              <a:rPr lang="hu-HU" dirty="0">
-                <a:solidFill>
-                  <a:schemeClr val="accent6">
-                    <a:lumMod val="75000"/>
-                  </a:schemeClr>
-                </a:solidFill>
-              </a:rPr>
-              <a:t>A HTML-be találhatóak a szövegek</a:t>
-            </a:r>
-          </a:p>
-          <a:p>
-            <a:r>
-              <a:rPr lang="hu-HU" dirty="0">
-                <a:solidFill>
-                  <a:schemeClr val="accent6">
-                    <a:lumMod val="75000"/>
-                  </a:schemeClr>
-                </a:solidFill>
-              </a:rPr>
-              <a:t>Itt találhatók az egyéb navigációs rendszer részei</a:t>
-            </a:r>
-          </a:p>
-          <a:p>
-            <a:r>
-              <a:rPr lang="hu-HU" dirty="0">
-                <a:solidFill>
-                  <a:schemeClr val="accent6">
-                    <a:lumMod val="75000"/>
-                  </a:schemeClr>
-                </a:solidFill>
-              </a:rPr>
-              <a:t>Találhatóak itt képek illetve egy csúszka</a:t>
-            </a:r>
-          </a:p>
-        </p:txBody>
-      </p:sp>
-      <p:sp>
-        <p:nvSpPr>
           <p:cNvPr id="4" name="Szövegdoboz 3">
             <a:hlinkClick r:id="rId2" action="ppaction://hlinksldjump"/>
             <a:extLst>
@@ -7453,6 +7664,164 @@
           </a:p>
         </p:txBody>
       </p:sp>
+      <p:sp>
+        <p:nvSpPr>
+          <p:cNvPr id="7" name="Szövegdoboz 6">
+            <a:extLst>
+              <a:ext uri="{FF2B5EF4-FFF2-40B4-BE49-F238E27FC236}">
+                <a16:creationId xmlns:a16="http://schemas.microsoft.com/office/drawing/2014/main" id="{1006900B-262E-40B7-BC80-F801355442CC}"/>
+              </a:ext>
+            </a:extLst>
+          </p:cNvPr>
+          <p:cNvSpPr txBox="1"/>
+          <p:nvPr/>
+        </p:nvSpPr>
+        <p:spPr>
+          <a:xfrm>
+            <a:off x="2551814" y="1710992"/>
+            <a:ext cx="2945219" cy="646331"/>
+          </a:xfrm>
+          <a:prstGeom prst="rect">
+            <a:avLst/>
+          </a:prstGeom>
+          <a:noFill/>
+        </p:spPr>
+        <p:txBody>
+          <a:bodyPr wrap="square" rtlCol="0">
+            <a:spAutoFit/>
+          </a:bodyPr>
+          <a:lstStyle/>
+          <a:p>
+            <a:r>
+              <a:rPr lang="hu-HU" dirty="0">
+                <a:solidFill>
+                  <a:schemeClr val="accent6">
+                    <a:lumMod val="75000"/>
+                  </a:schemeClr>
+                </a:solidFill>
+              </a:rPr>
+              <a:t>A </a:t>
+            </a:r>
+            <a:r>
+              <a:rPr lang="hu-HU" dirty="0" err="1">
+                <a:solidFill>
+                  <a:schemeClr val="accent6">
+                    <a:lumMod val="75000"/>
+                  </a:schemeClr>
+                </a:solidFill>
+              </a:rPr>
+              <a:t>html-ben</a:t>
+            </a:r>
+            <a:r>
+              <a:rPr lang="hu-HU" dirty="0">
+                <a:solidFill>
+                  <a:schemeClr val="accent6">
+                    <a:lumMod val="75000"/>
+                  </a:schemeClr>
+                </a:solidFill>
+              </a:rPr>
+              <a:t> található a navigációs menü</a:t>
+            </a:r>
+          </a:p>
+        </p:txBody>
+      </p:sp>
+      <p:sp>
+        <p:nvSpPr>
+          <p:cNvPr id="8" name="Szövegdoboz 7">
+            <a:extLst>
+              <a:ext uri="{FF2B5EF4-FFF2-40B4-BE49-F238E27FC236}">
+                <a16:creationId xmlns:a16="http://schemas.microsoft.com/office/drawing/2014/main" id="{C7F6FED2-A098-48D4-B30F-32BE4A695C17}"/>
+              </a:ext>
+            </a:extLst>
+          </p:cNvPr>
+          <p:cNvSpPr txBox="1"/>
+          <p:nvPr/>
+        </p:nvSpPr>
+        <p:spPr>
+          <a:xfrm>
+            <a:off x="6469914" y="2356140"/>
+            <a:ext cx="2945219" cy="923330"/>
+          </a:xfrm>
+          <a:prstGeom prst="rect">
+            <a:avLst/>
+          </a:prstGeom>
+          <a:noFill/>
+        </p:spPr>
+        <p:txBody>
+          <a:bodyPr wrap="square" rtlCol="0">
+            <a:spAutoFit/>
+          </a:bodyPr>
+          <a:lstStyle/>
+          <a:p>
+            <a:r>
+              <a:rPr lang="hu-HU" dirty="0">
+                <a:solidFill>
+                  <a:schemeClr val="accent6">
+                    <a:lumMod val="75000"/>
+                  </a:schemeClr>
+                </a:solidFill>
+              </a:rPr>
+              <a:t>Illetve itt található a szöveg és képek is amit </a:t>
+            </a:r>
+            <a:r>
+              <a:rPr lang="hu-HU" dirty="0" err="1">
+                <a:solidFill>
+                  <a:schemeClr val="accent6">
+                    <a:lumMod val="75000"/>
+                  </a:schemeClr>
+                </a:solidFill>
+              </a:rPr>
+              <a:t>bootstrappel</a:t>
+            </a:r>
+            <a:r>
+              <a:rPr lang="hu-HU" dirty="0">
+                <a:solidFill>
+                  <a:schemeClr val="accent6">
+                    <a:lumMod val="75000"/>
+                  </a:schemeClr>
+                </a:solidFill>
+              </a:rPr>
+              <a:t> rendeztünk el</a:t>
+            </a:r>
+          </a:p>
+        </p:txBody>
+      </p:sp>
+      <p:pic>
+        <p:nvPicPr>
+          <p:cNvPr id="10" name="Kép 9">
+            <a:extLst>
+              <a:ext uri="{FF2B5EF4-FFF2-40B4-BE49-F238E27FC236}">
+                <a16:creationId xmlns:a16="http://schemas.microsoft.com/office/drawing/2014/main" id="{0787EE5D-A4E7-40C0-B159-A5FB6457B56E}"/>
+              </a:ext>
+            </a:extLst>
+          </p:cNvPr>
+          <p:cNvPicPr>
+            <a:picLocks noChangeAspect="1"/>
+          </p:cNvPicPr>
+          <p:nvPr/>
+        </p:nvPicPr>
+        <p:blipFill>
+          <a:blip r:embed="rId3">
+            <a:extLst>
+              <a:ext uri="{28A0092B-C50C-407E-A947-70E740481C1C}">
+                <a14:useLocalDpi xmlns:a14="http://schemas.microsoft.com/office/drawing/2010/main" val="0"/>
+              </a:ext>
+            </a:extLst>
+          </a:blip>
+          <a:stretch>
+            <a:fillRect/>
+          </a:stretch>
+        </p:blipFill>
+        <p:spPr>
+          <a:xfrm>
+            <a:off x="677658" y="2817805"/>
+            <a:ext cx="5418342" cy="3083265"/>
+          </a:xfrm>
+          <a:prstGeom prst="rect">
+            <a:avLst/>
+          </a:prstGeom>
+        </p:spPr>
+      </p:pic>
     </p:spTree>
     <p:extLst>
       <p:ext uri="{BB962C8B-B14F-4D97-AF65-F5344CB8AC3E}">
@@ -7466,6 +7835,199 @@
   <p:transition spd="slow">
     <p:push dir="u"/>
   </p:transition>
+  <p:timing>
+    <p:tnLst>
+      <p:par>
+        <p:cTn id="1" dur="indefinite" restart="never" nodeType="tmRoot">
+          <p:childTnLst>
+            <p:seq concurrent="1" nextAc="seek">
+              <p:cTn id="2" dur="indefinite" nodeType="mainSeq">
+                <p:childTnLst>
+                  <p:par>
+                    <p:cTn id="3" fill="hold">
+                      <p:stCondLst>
+                        <p:cond delay="indefinite"/>
+                      </p:stCondLst>
+                      <p:childTnLst>
+                        <p:par>
+                          <p:cTn id="4" fill="hold">
+                            <p:stCondLst>
+                              <p:cond delay="0"/>
+                            </p:stCondLst>
+                            <p:childTnLst>
+                              <p:par>
+                                <p:cTn id="5" presetID="10" presetClass="entr" presetSubtype="0" fill="hold" grpId="0" nodeType="clickEffect">
+                                  <p:stCondLst>
+                                    <p:cond delay="0"/>
+                                  </p:stCondLst>
+                                  <p:childTnLst>
+                                    <p:set>
+                                      <p:cBhvr>
+                                        <p:cTn id="6" dur="1" fill="hold">
+                                          <p:stCondLst>
+                                            <p:cond delay="0"/>
+                                          </p:stCondLst>
+                                        </p:cTn>
+                                        <p:tgtEl>
+                                          <p:spTgt spid="7"/>
+                                        </p:tgtEl>
+                                        <p:attrNameLst>
+                                          <p:attrName>style.visibility</p:attrName>
+                                        </p:attrNameLst>
+                                      </p:cBhvr>
+                                      <p:to>
+                                        <p:strVal val="visible"/>
+                                      </p:to>
+                                    </p:set>
+                                    <p:animEffect transition="in" filter="fade">
+                                      <p:cBhvr>
+                                        <p:cTn id="7" dur="500"/>
+                                        <p:tgtEl>
+                                          <p:spTgt spid="7"/>
+                                        </p:tgtEl>
+                                      </p:cBhvr>
+                                    </p:animEffect>
+                                  </p:childTnLst>
+                                </p:cTn>
+                              </p:par>
+                            </p:childTnLst>
+                          </p:cTn>
+                        </p:par>
+                      </p:childTnLst>
+                    </p:cTn>
+                  </p:par>
+                  <p:par>
+                    <p:cTn id="8" fill="hold">
+                      <p:stCondLst>
+                        <p:cond delay="indefinite"/>
+                      </p:stCondLst>
+                      <p:childTnLst>
+                        <p:par>
+                          <p:cTn id="9" fill="hold">
+                            <p:stCondLst>
+                              <p:cond delay="0"/>
+                            </p:stCondLst>
+                            <p:childTnLst>
+                              <p:par>
+                                <p:cTn id="10" presetID="10" presetClass="entr" presetSubtype="0" fill="hold" grpId="0" nodeType="clickEffect">
+                                  <p:stCondLst>
+                                    <p:cond delay="0"/>
+                                  </p:stCondLst>
+                                  <p:childTnLst>
+                                    <p:set>
+                                      <p:cBhvr>
+                                        <p:cTn id="11" dur="1" fill="hold">
+                                          <p:stCondLst>
+                                            <p:cond delay="0"/>
+                                          </p:stCondLst>
+                                        </p:cTn>
+                                        <p:tgtEl>
+                                          <p:spTgt spid="8"/>
+                                        </p:tgtEl>
+                                        <p:attrNameLst>
+                                          <p:attrName>style.visibility</p:attrName>
+                                        </p:attrNameLst>
+                                      </p:cBhvr>
+                                      <p:to>
+                                        <p:strVal val="visible"/>
+                                      </p:to>
+                                    </p:set>
+                                    <p:animEffect transition="in" filter="fade">
+                                      <p:cBhvr>
+                                        <p:cTn id="12" dur="500"/>
+                                        <p:tgtEl>
+                                          <p:spTgt spid="8"/>
+                                        </p:tgtEl>
+                                      </p:cBhvr>
+                                    </p:animEffect>
+                                  </p:childTnLst>
+                                </p:cTn>
+                              </p:par>
+                            </p:childTnLst>
+                          </p:cTn>
+                        </p:par>
+                      </p:childTnLst>
+                    </p:cTn>
+                  </p:par>
+                  <p:par>
+                    <p:cTn id="13" fill="hold">
+                      <p:stCondLst>
+                        <p:cond delay="indefinite"/>
+                      </p:stCondLst>
+                      <p:childTnLst>
+                        <p:par>
+                          <p:cTn id="14" fill="hold">
+                            <p:stCondLst>
+                              <p:cond delay="0"/>
+                            </p:stCondLst>
+                            <p:childTnLst>
+                              <p:par>
+                                <p:cTn id="15" presetID="10" presetClass="entr" presetSubtype="0" fill="hold" nodeType="clickEffect">
+                                  <p:stCondLst>
+                                    <p:cond delay="0"/>
+                                  </p:stCondLst>
+                                  <p:childTnLst>
+                                    <p:set>
+                                      <p:cBhvr>
+                                        <p:cTn id="16" dur="1" fill="hold">
+                                          <p:stCondLst>
+                                            <p:cond delay="0"/>
+                                          </p:stCondLst>
+                                        </p:cTn>
+                                        <p:tgtEl>
+                                          <p:spTgt spid="10"/>
+                                        </p:tgtEl>
+                                        <p:attrNameLst>
+                                          <p:attrName>style.visibility</p:attrName>
+                                        </p:attrNameLst>
+                                      </p:cBhvr>
+                                      <p:to>
+                                        <p:strVal val="visible"/>
+                                      </p:to>
+                                    </p:set>
+                                    <p:animEffect transition="in" filter="fade">
+                                      <p:cBhvr>
+                                        <p:cTn id="17" dur="500"/>
+                                        <p:tgtEl>
+                                          <p:spTgt spid="10"/>
+                                        </p:tgtEl>
+                                      </p:cBhvr>
+                                    </p:animEffect>
+                                  </p:childTnLst>
+                                </p:cTn>
+                              </p:par>
+                            </p:childTnLst>
+                          </p:cTn>
+                        </p:par>
+                      </p:childTnLst>
+                    </p:cTn>
+                  </p:par>
+                </p:childTnLst>
+              </p:cTn>
+              <p:prevCondLst>
+                <p:cond evt="onPrev" delay="0">
+                  <p:tgtEl>
+                    <p:sldTgt/>
+                  </p:tgtEl>
+                </p:cond>
+              </p:prevCondLst>
+              <p:nextCondLst>
+                <p:cond evt="onNext" delay="0">
+                  <p:tgtEl>
+                    <p:sldTgt/>
+                  </p:tgtEl>
+                </p:cond>
+              </p:nextCondLst>
+            </p:seq>
+          </p:childTnLst>
+        </p:cTn>
+      </p:par>
+    </p:tnLst>
+    <p:bldLst>
+      <p:bldP spid="7" grpId="0"/>
+      <p:bldP spid="8" grpId="0"/>
+    </p:bldLst>
+  </p:timing>
 </p:sld>
 </file>
 
@@ -7510,7 +8072,12 @@
             <p:ph type="title"/>
           </p:nvPr>
         </p:nvSpPr>
-        <p:spPr/>
+        <p:spPr>
+          <a:xfrm>
+            <a:off x="339231" y="311705"/>
+            <a:ext cx="10515600" cy="1325563"/>
+          </a:xfrm>
+        </p:spPr>
         <p:txBody>
           <a:bodyPr/>
           <a:lstStyle/>
@@ -7535,100 +8102,6 @@
                 </a:solidFill>
               </a:rPr>
               <a:t> </a:t>
-            </a:r>
-          </a:p>
-        </p:txBody>
-      </p:sp>
-      <p:sp>
-        <p:nvSpPr>
-          <p:cNvPr id="3" name="Tartalom helye 2">
-            <a:extLst>
-              <a:ext uri="{FF2B5EF4-FFF2-40B4-BE49-F238E27FC236}">
-                <a16:creationId xmlns:a16="http://schemas.microsoft.com/office/drawing/2014/main" id="{49D3F264-11AD-42D3-9E06-358E57EC72DE}"/>
-              </a:ext>
-            </a:extLst>
-          </p:cNvPr>
-          <p:cNvSpPr>
-            <a:spLocks noGrp="1"/>
-          </p:cNvSpPr>
-          <p:nvPr>
-            <p:ph idx="1"/>
-          </p:nvPr>
-        </p:nvSpPr>
-        <p:spPr/>
-        <p:txBody>
-          <a:bodyPr/>
-          <a:lstStyle/>
-          <a:p>
-            <a:r>
-              <a:rPr lang="hu-HU" dirty="0">
-                <a:solidFill>
-                  <a:schemeClr val="accent6">
-                    <a:lumMod val="75000"/>
-                  </a:schemeClr>
-                </a:solidFill>
-              </a:rPr>
-              <a:t>A </a:t>
-            </a:r>
-            <a:r>
-              <a:rPr lang="hu-HU" dirty="0" err="1">
-                <a:solidFill>
-                  <a:schemeClr val="accent6">
-                    <a:lumMod val="75000"/>
-                  </a:schemeClr>
-                </a:solidFill>
-              </a:rPr>
-              <a:t>javascriptbe</a:t>
-            </a:r>
-            <a:r>
-              <a:rPr lang="hu-HU" dirty="0">
-                <a:solidFill>
-                  <a:schemeClr val="accent6">
-                    <a:lumMod val="75000"/>
-                  </a:schemeClr>
-                </a:solidFill>
-              </a:rPr>
-              <a:t> található a csúszkán </a:t>
-            </a:r>
-            <a:r>
-              <a:rPr lang="hu-HU" dirty="0" err="1">
-                <a:solidFill>
-                  <a:schemeClr val="accent6">
-                    <a:lumMod val="75000"/>
-                  </a:schemeClr>
-                </a:solidFill>
-              </a:rPr>
-              <a:t>átirt</a:t>
-            </a:r>
-            <a:r>
-              <a:rPr lang="hu-HU" dirty="0">
-                <a:solidFill>
-                  <a:schemeClr val="accent6">
-                    <a:lumMod val="75000"/>
-                  </a:schemeClr>
-                </a:solidFill>
-              </a:rPr>
-              <a:t> szövegek és a </a:t>
-            </a:r>
-            <a:r>
-              <a:rPr lang="hu-HU" dirty="0" err="1">
-                <a:solidFill>
-                  <a:schemeClr val="accent6">
-                    <a:lumMod val="75000"/>
-                  </a:schemeClr>
-                </a:solidFill>
-              </a:rPr>
-              <a:t>külömböző</a:t>
-            </a:r>
-            <a:r>
-              <a:rPr lang="hu-HU" dirty="0">
-                <a:solidFill>
-                  <a:schemeClr val="accent6">
-                    <a:lumMod val="75000"/>
-                  </a:schemeClr>
-                </a:solidFill>
-              </a:rPr>
-              <a:t> elnevezései.</a:t>
             </a:r>
           </a:p>
         </p:txBody>
@@ -7671,6 +8144,187 @@
                 </a:solidFill>
               </a:rPr>
               <a:t>vissza</a:t>
+            </a:r>
+          </a:p>
+        </p:txBody>
+      </p:sp>
+      <p:sp>
+        <p:nvSpPr>
+          <p:cNvPr id="5" name="Szövegdoboz 4">
+            <a:extLst>
+              <a:ext uri="{FF2B5EF4-FFF2-40B4-BE49-F238E27FC236}">
+                <a16:creationId xmlns:a16="http://schemas.microsoft.com/office/drawing/2014/main" id="{A6CEAAC7-53EB-452B-822A-75FB673BEAB1}"/>
+              </a:ext>
+            </a:extLst>
+          </p:cNvPr>
+          <p:cNvSpPr txBox="1"/>
+          <p:nvPr/>
+        </p:nvSpPr>
+        <p:spPr>
+          <a:xfrm>
+            <a:off x="1236161" y="1910006"/>
+            <a:ext cx="2966484" cy="1200329"/>
+          </a:xfrm>
+          <a:prstGeom prst="rect">
+            <a:avLst/>
+          </a:prstGeom>
+          <a:noFill/>
+        </p:spPr>
+        <p:txBody>
+          <a:bodyPr wrap="square" rtlCol="0">
+            <a:spAutoFit/>
+          </a:bodyPr>
+          <a:lstStyle/>
+          <a:p>
+            <a:r>
+              <a:rPr lang="hu-HU" dirty="0">
+                <a:solidFill>
+                  <a:schemeClr val="accent6">
+                    <a:lumMod val="75000"/>
+                  </a:schemeClr>
+                </a:solidFill>
+              </a:rPr>
+              <a:t>A </a:t>
+            </a:r>
+            <a:r>
+              <a:rPr lang="hu-HU" dirty="0" err="1">
+                <a:solidFill>
+                  <a:schemeClr val="accent6">
+                    <a:lumMod val="75000"/>
+                  </a:schemeClr>
+                </a:solidFill>
+              </a:rPr>
+              <a:t>javascriptbe</a:t>
+            </a:r>
+            <a:r>
+              <a:rPr lang="hu-HU" dirty="0">
+                <a:solidFill>
+                  <a:schemeClr val="accent6">
+                    <a:lumMod val="75000"/>
+                  </a:schemeClr>
+                </a:solidFill>
+              </a:rPr>
+              <a:t> található a csúszkán </a:t>
+            </a:r>
+            <a:r>
+              <a:rPr lang="hu-HU" dirty="0" err="1">
+                <a:solidFill>
+                  <a:schemeClr val="accent6">
+                    <a:lumMod val="75000"/>
+                  </a:schemeClr>
+                </a:solidFill>
+              </a:rPr>
+              <a:t>átirt</a:t>
+            </a:r>
+            <a:r>
+              <a:rPr lang="hu-HU" dirty="0">
+                <a:solidFill>
+                  <a:schemeClr val="accent6">
+                    <a:lumMod val="75000"/>
+                  </a:schemeClr>
+                </a:solidFill>
+              </a:rPr>
+              <a:t> szövegek és a </a:t>
+            </a:r>
+            <a:r>
+              <a:rPr lang="hu-HU" dirty="0" err="1">
+                <a:solidFill>
+                  <a:schemeClr val="accent6">
+                    <a:lumMod val="75000"/>
+                  </a:schemeClr>
+                </a:solidFill>
+              </a:rPr>
+              <a:t>külömböző</a:t>
+            </a:r>
+            <a:r>
+              <a:rPr lang="hu-HU" dirty="0">
+                <a:solidFill>
+                  <a:schemeClr val="accent6">
+                    <a:lumMod val="75000"/>
+                  </a:schemeClr>
+                </a:solidFill>
+              </a:rPr>
+              <a:t> elnevezései.</a:t>
+            </a:r>
+          </a:p>
+          <a:p>
+            <a:endParaRPr lang="hu-HU" dirty="0"/>
+          </a:p>
+        </p:txBody>
+      </p:sp>
+      <p:pic>
+        <p:nvPicPr>
+          <p:cNvPr id="7" name="Kép 6">
+            <a:extLst>
+              <a:ext uri="{FF2B5EF4-FFF2-40B4-BE49-F238E27FC236}">
+                <a16:creationId xmlns:a16="http://schemas.microsoft.com/office/drawing/2014/main" id="{F82EC5FD-2746-4DDA-B13D-7895EB1A4FFF}"/>
+              </a:ext>
+            </a:extLst>
+          </p:cNvPr>
+          <p:cNvPicPr>
+            <a:picLocks noChangeAspect="1"/>
+          </p:cNvPicPr>
+          <p:nvPr/>
+        </p:nvPicPr>
+        <p:blipFill>
+          <a:blip r:embed="rId3">
+            <a:extLst>
+              <a:ext uri="{28A0092B-C50C-407E-A947-70E740481C1C}">
+                <a14:useLocalDpi xmlns:a14="http://schemas.microsoft.com/office/drawing/2010/main" val="0"/>
+              </a:ext>
+            </a:extLst>
+          </a:blip>
+          <a:stretch>
+            <a:fillRect/>
+          </a:stretch>
+        </p:blipFill>
+        <p:spPr>
+          <a:xfrm>
+            <a:off x="5334253" y="1910006"/>
+            <a:ext cx="3846563" cy="3934317"/>
+          </a:xfrm>
+          <a:prstGeom prst="rect">
+            <a:avLst/>
+          </a:prstGeom>
+        </p:spPr>
+      </p:pic>
+      <p:sp>
+        <p:nvSpPr>
+          <p:cNvPr id="8" name="Szövegdoboz 7">
+            <a:extLst>
+              <a:ext uri="{FF2B5EF4-FFF2-40B4-BE49-F238E27FC236}">
+                <a16:creationId xmlns:a16="http://schemas.microsoft.com/office/drawing/2014/main" id="{BF368CD8-CE02-4CE0-81CB-084267619648}"/>
+              </a:ext>
+            </a:extLst>
+          </p:cNvPr>
+          <p:cNvSpPr txBox="1"/>
+          <p:nvPr/>
+        </p:nvSpPr>
+        <p:spPr>
+          <a:xfrm>
+            <a:off x="1236161" y="3383074"/>
+            <a:ext cx="3229513" cy="923330"/>
+          </a:xfrm>
+          <a:prstGeom prst="rect">
+            <a:avLst/>
+          </a:prstGeom>
+          <a:noFill/>
+        </p:spPr>
+        <p:txBody>
+          <a:bodyPr wrap="square" rtlCol="0">
+            <a:spAutoFit/>
+          </a:bodyPr>
+          <a:lstStyle/>
+          <a:p>
+            <a:r>
+              <a:rPr lang="hu-HU" dirty="0">
+                <a:solidFill>
+                  <a:schemeClr val="accent6">
+                    <a:lumMod val="75000"/>
+                  </a:schemeClr>
+                </a:solidFill>
+              </a:rPr>
+              <a:t>Ezeket évszámokkal oldottuk meg és az április 1.-ei frissítéseket tartalmazzák</a:t>
             </a:r>
           </a:p>
         </p:txBody>
@@ -7688,6 +8342,199 @@
   <p:transition spd="slow">
     <p:push dir="u"/>
   </p:transition>
+  <p:timing>
+    <p:tnLst>
+      <p:par>
+        <p:cTn id="1" dur="indefinite" restart="never" nodeType="tmRoot">
+          <p:childTnLst>
+            <p:seq concurrent="1" nextAc="seek">
+              <p:cTn id="2" dur="indefinite" nodeType="mainSeq">
+                <p:childTnLst>
+                  <p:par>
+                    <p:cTn id="3" fill="hold">
+                      <p:stCondLst>
+                        <p:cond delay="indefinite"/>
+                      </p:stCondLst>
+                      <p:childTnLst>
+                        <p:par>
+                          <p:cTn id="4" fill="hold">
+                            <p:stCondLst>
+                              <p:cond delay="0"/>
+                            </p:stCondLst>
+                            <p:childTnLst>
+                              <p:par>
+                                <p:cTn id="5" presetID="10" presetClass="entr" presetSubtype="0" fill="hold" grpId="0" nodeType="clickEffect">
+                                  <p:stCondLst>
+                                    <p:cond delay="0"/>
+                                  </p:stCondLst>
+                                  <p:childTnLst>
+                                    <p:set>
+                                      <p:cBhvr>
+                                        <p:cTn id="6" dur="1" fill="hold">
+                                          <p:stCondLst>
+                                            <p:cond delay="0"/>
+                                          </p:stCondLst>
+                                        </p:cTn>
+                                        <p:tgtEl>
+                                          <p:spTgt spid="5"/>
+                                        </p:tgtEl>
+                                        <p:attrNameLst>
+                                          <p:attrName>style.visibility</p:attrName>
+                                        </p:attrNameLst>
+                                      </p:cBhvr>
+                                      <p:to>
+                                        <p:strVal val="visible"/>
+                                      </p:to>
+                                    </p:set>
+                                    <p:animEffect transition="in" filter="fade">
+                                      <p:cBhvr>
+                                        <p:cTn id="7" dur="500"/>
+                                        <p:tgtEl>
+                                          <p:spTgt spid="5"/>
+                                        </p:tgtEl>
+                                      </p:cBhvr>
+                                    </p:animEffect>
+                                  </p:childTnLst>
+                                </p:cTn>
+                              </p:par>
+                            </p:childTnLst>
+                          </p:cTn>
+                        </p:par>
+                      </p:childTnLst>
+                    </p:cTn>
+                  </p:par>
+                  <p:par>
+                    <p:cTn id="8" fill="hold">
+                      <p:stCondLst>
+                        <p:cond delay="indefinite"/>
+                      </p:stCondLst>
+                      <p:childTnLst>
+                        <p:par>
+                          <p:cTn id="9" fill="hold">
+                            <p:stCondLst>
+                              <p:cond delay="0"/>
+                            </p:stCondLst>
+                            <p:childTnLst>
+                              <p:par>
+                                <p:cTn id="10" presetID="10" presetClass="entr" presetSubtype="0" fill="hold" grpId="0" nodeType="clickEffect">
+                                  <p:stCondLst>
+                                    <p:cond delay="0"/>
+                                  </p:stCondLst>
+                                  <p:childTnLst>
+                                    <p:set>
+                                      <p:cBhvr>
+                                        <p:cTn id="11" dur="1" fill="hold">
+                                          <p:stCondLst>
+                                            <p:cond delay="0"/>
+                                          </p:stCondLst>
+                                        </p:cTn>
+                                        <p:tgtEl>
+                                          <p:spTgt spid="8"/>
+                                        </p:tgtEl>
+                                        <p:attrNameLst>
+                                          <p:attrName>style.visibility</p:attrName>
+                                        </p:attrNameLst>
+                                      </p:cBhvr>
+                                      <p:to>
+                                        <p:strVal val="visible"/>
+                                      </p:to>
+                                    </p:set>
+                                    <p:animEffect transition="in" filter="fade">
+                                      <p:cBhvr>
+                                        <p:cTn id="12" dur="500"/>
+                                        <p:tgtEl>
+                                          <p:spTgt spid="8"/>
+                                        </p:tgtEl>
+                                      </p:cBhvr>
+                                    </p:animEffect>
+                                  </p:childTnLst>
+                                </p:cTn>
+                              </p:par>
+                            </p:childTnLst>
+                          </p:cTn>
+                        </p:par>
+                      </p:childTnLst>
+                    </p:cTn>
+                  </p:par>
+                  <p:par>
+                    <p:cTn id="13" fill="hold">
+                      <p:stCondLst>
+                        <p:cond delay="indefinite"/>
+                      </p:stCondLst>
+                      <p:childTnLst>
+                        <p:par>
+                          <p:cTn id="14" fill="hold">
+                            <p:stCondLst>
+                              <p:cond delay="0"/>
+                            </p:stCondLst>
+                            <p:childTnLst>
+                              <p:par>
+                                <p:cTn id="15" presetID="10" presetClass="entr" presetSubtype="0" fill="hold" nodeType="clickEffect">
+                                  <p:stCondLst>
+                                    <p:cond delay="0"/>
+                                  </p:stCondLst>
+                                  <p:childTnLst>
+                                    <p:set>
+                                      <p:cBhvr>
+                                        <p:cTn id="16" dur="1" fill="hold">
+                                          <p:stCondLst>
+                                            <p:cond delay="0"/>
+                                          </p:stCondLst>
+                                        </p:cTn>
+                                        <p:tgtEl>
+                                          <p:spTgt spid="7"/>
+                                        </p:tgtEl>
+                                        <p:attrNameLst>
+                                          <p:attrName>style.visibility</p:attrName>
+                                        </p:attrNameLst>
+                                      </p:cBhvr>
+                                      <p:to>
+                                        <p:strVal val="visible"/>
+                                      </p:to>
+                                    </p:set>
+                                    <p:animEffect transition="in" filter="fade">
+                                      <p:cBhvr>
+                                        <p:cTn id="17" dur="500"/>
+                                        <p:tgtEl>
+                                          <p:spTgt spid="7"/>
+                                        </p:tgtEl>
+                                      </p:cBhvr>
+                                    </p:animEffect>
+                                  </p:childTnLst>
+                                </p:cTn>
+                              </p:par>
+                            </p:childTnLst>
+                          </p:cTn>
+                        </p:par>
+                      </p:childTnLst>
+                    </p:cTn>
+                  </p:par>
+                </p:childTnLst>
+              </p:cTn>
+              <p:prevCondLst>
+                <p:cond evt="onPrev" delay="0">
+                  <p:tgtEl>
+                    <p:sldTgt/>
+                  </p:tgtEl>
+                </p:cond>
+              </p:prevCondLst>
+              <p:nextCondLst>
+                <p:cond evt="onNext" delay="0">
+                  <p:tgtEl>
+                    <p:sldTgt/>
+                  </p:tgtEl>
+                </p:cond>
+              </p:nextCondLst>
+            </p:seq>
+          </p:childTnLst>
+        </p:cTn>
+      </p:par>
+    </p:tnLst>
+    <p:bldLst>
+      <p:bldP spid="5" grpId="0"/>
+      <p:bldP spid="8" grpId="0"/>
+    </p:bldLst>
+  </p:timing>
 </p:sld>
 </file>
 
@@ -7805,8 +8652,25 @@
                   </a:schemeClr>
                 </a:solidFill>
               </a:rPr>
-              <a:t>	-Gőgös Gellért</a:t>
-            </a:r>
+              <a:t>	-Gőgös Gellért:  </a:t>
+            </a:r>
+            <a:r>
+              <a:rPr lang="hu-HU" dirty="0" err="1">
+                <a:solidFill>
+                  <a:schemeClr val="accent6">
+                    <a:lumMod val="75000"/>
+                  </a:schemeClr>
+                </a:solidFill>
+              </a:rPr>
+              <a:t>ppt,js,css</a:t>
+            </a:r>
+            <a:endParaRPr lang="hu-HU" dirty="0">
+              <a:solidFill>
+                <a:schemeClr val="accent6">
+                  <a:lumMod val="75000"/>
+                </a:schemeClr>
+              </a:solidFill>
+            </a:endParaRPr>
           </a:p>
           <a:p>
             <a:pPr marL="0" indent="0">
@@ -7820,7 +8684,27 @@
                   </a:schemeClr>
                 </a:solidFill>
               </a:rPr>
-              <a:t>	-</a:t>
+              <a:t>	-Kovács Krisztián: </a:t>
+            </a:r>
+            <a:r>
+              <a:rPr lang="hu-HU" dirty="0" err="1">
+                <a:solidFill>
+                  <a:schemeClr val="accent6">
+                    <a:lumMod val="75000"/>
+                  </a:schemeClr>
+                </a:solidFill>
+              </a:rPr>
+              <a:t>html,</a:t>
+            </a:r>
+            <a:r>
+              <a:rPr lang="hu-HU" err="1">
+                <a:solidFill>
+                  <a:schemeClr val="accent6">
+                    <a:lumMod val="75000"/>
+                  </a:schemeClr>
+                </a:solidFill>
+              </a:rPr>
+              <a:t>bootstrap</a:t>
             </a:r>
             <a:r>
               <a:rPr lang="hu-HU">
@@ -7830,8 +8714,15 @@
                   </a:schemeClr>
                 </a:solidFill>
               </a:rPr>
-              <a:t>Kovács Krisztián</a:t>
-            </a:r>
+              <a:t>,css</a:t>
+            </a:r>
+            <a:endParaRPr lang="hu-HU" dirty="0">
+              <a:solidFill>
+                <a:schemeClr val="accent6">
+                  <a:lumMod val="75000"/>
+                </a:schemeClr>
+              </a:solidFill>
+            </a:endParaRPr>
           </a:p>
         </p:txBody>
       </p:sp>

--- a/Weblap.pptx
+++ b/Weblap.pptx
@@ -4526,7 +4526,7 @@
         </p:nvSpPr>
         <p:spPr>
           <a:xfrm>
-            <a:off x="0" y="-114888"/>
+            <a:off x="0" y="0"/>
             <a:ext cx="12192000" cy="6858000"/>
           </a:xfrm>
           <a:prstGeom prst="rect">
@@ -4585,7 +4585,7 @@
         </p:nvSpPr>
         <p:spPr>
           <a:xfrm>
-            <a:off x="1289622" y="2915352"/>
+            <a:off x="1429131" y="2915350"/>
             <a:ext cx="2886623" cy="769441"/>
           </a:xfrm>
           <a:prstGeom prst="rect">
@@ -4621,10 +4621,11 @@
       </p:sp>
       <p:sp>
         <p:nvSpPr>
-          <p:cNvPr id="6" name="Szövegdoboz 5">
-            <a:extLst>
-              <a:ext uri="{FF2B5EF4-FFF2-40B4-BE49-F238E27FC236}">
-                <a16:creationId xmlns:a16="http://schemas.microsoft.com/office/drawing/2014/main" id="{E02B4050-FC94-4A88-A2FD-5AFFCCAC441F}"/>
+          <p:cNvPr id="35" name="Szövegdoboz 34">
+            <a:hlinkClick r:id="rId3" action="ppaction://hlinksldjump"/>
+            <a:extLst>
+              <a:ext uri="{FF2B5EF4-FFF2-40B4-BE49-F238E27FC236}">
+                <a16:creationId xmlns:a16="http://schemas.microsoft.com/office/drawing/2014/main" id="{983C7066-AE34-4E65-A46E-9246BDE30FE1}"/>
               </a:ext>
             </a:extLst>
           </p:cNvPr>
@@ -4633,1115 +4634,7 @@
         </p:nvSpPr>
         <p:spPr>
           <a:xfrm>
-            <a:off x="764626" y="-1425204"/>
-            <a:ext cx="332509" cy="5909310"/>
-          </a:xfrm>
-          <a:prstGeom prst="rect">
-            <a:avLst/>
-          </a:prstGeom>
-          <a:noFill/>
-        </p:spPr>
-        <p:txBody>
-          <a:bodyPr wrap="square" rtlCol="0">
-            <a:spAutoFit/>
-          </a:bodyPr>
-          <a:lstStyle/>
-          <a:p>
-            <a:r>
-              <a:rPr lang="hu-HU" dirty="0">
-                <a:solidFill>
-                  <a:schemeClr val="accent6">
-                    <a:lumMod val="75000"/>
-                  </a:schemeClr>
-                </a:solidFill>
-              </a:rPr>
-              <a:t>010101010110101010110</a:t>
-            </a:r>
-          </a:p>
-        </p:txBody>
-      </p:sp>
-      <p:sp>
-        <p:nvSpPr>
-          <p:cNvPr id="7" name="Szövegdoboz 6">
-            <a:extLst>
-              <a:ext uri="{FF2B5EF4-FFF2-40B4-BE49-F238E27FC236}">
-                <a16:creationId xmlns:a16="http://schemas.microsoft.com/office/drawing/2014/main" id="{1E1AD709-3538-4620-BF10-8691DFF759D0}"/>
-              </a:ext>
-            </a:extLst>
-          </p:cNvPr>
-          <p:cNvSpPr txBox="1"/>
-          <p:nvPr/>
-        </p:nvSpPr>
-        <p:spPr>
-          <a:xfrm>
-            <a:off x="1111661" y="3602038"/>
-            <a:ext cx="332509" cy="5909310"/>
-          </a:xfrm>
-          <a:prstGeom prst="rect">
-            <a:avLst/>
-          </a:prstGeom>
-          <a:noFill/>
-        </p:spPr>
-        <p:txBody>
-          <a:bodyPr wrap="square" rtlCol="0">
-            <a:spAutoFit/>
-          </a:bodyPr>
-          <a:lstStyle/>
-          <a:p>
-            <a:r>
-              <a:rPr lang="hu-HU" dirty="0">
-                <a:solidFill>
-                  <a:schemeClr val="accent6">
-                    <a:lumMod val="75000"/>
-                  </a:schemeClr>
-                </a:solidFill>
-              </a:rPr>
-              <a:t>010101010110101010110</a:t>
-            </a:r>
-          </a:p>
-        </p:txBody>
-      </p:sp>
-      <p:sp>
-        <p:nvSpPr>
-          <p:cNvPr id="8" name="Szövegdoboz 7">
-            <a:extLst>
-              <a:ext uri="{FF2B5EF4-FFF2-40B4-BE49-F238E27FC236}">
-                <a16:creationId xmlns:a16="http://schemas.microsoft.com/office/drawing/2014/main" id="{D7EDD4CA-B4CF-4619-A5FC-C26C3348B3EF}"/>
-              </a:ext>
-            </a:extLst>
-          </p:cNvPr>
-          <p:cNvSpPr txBox="1"/>
-          <p:nvPr/>
-        </p:nvSpPr>
-        <p:spPr>
-          <a:xfrm>
-            <a:off x="1673659" y="3602038"/>
-            <a:ext cx="332509" cy="5909310"/>
-          </a:xfrm>
-          <a:prstGeom prst="rect">
-            <a:avLst/>
-          </a:prstGeom>
-          <a:noFill/>
-        </p:spPr>
-        <p:txBody>
-          <a:bodyPr wrap="square" rtlCol="0">
-            <a:spAutoFit/>
-          </a:bodyPr>
-          <a:lstStyle/>
-          <a:p>
-            <a:r>
-              <a:rPr lang="hu-HU" dirty="0">
-                <a:solidFill>
-                  <a:schemeClr val="accent6">
-                    <a:lumMod val="75000"/>
-                  </a:schemeClr>
-                </a:solidFill>
-              </a:rPr>
-              <a:t>011101010101001010110</a:t>
-            </a:r>
-          </a:p>
-        </p:txBody>
-      </p:sp>
-      <p:sp>
-        <p:nvSpPr>
-          <p:cNvPr id="9" name="Szövegdoboz 8">
-            <a:extLst>
-              <a:ext uri="{FF2B5EF4-FFF2-40B4-BE49-F238E27FC236}">
-                <a16:creationId xmlns:a16="http://schemas.microsoft.com/office/drawing/2014/main" id="{D4C7C829-D2D6-4DD2-B948-B3928806B2E7}"/>
-              </a:ext>
-            </a:extLst>
-          </p:cNvPr>
-          <p:cNvSpPr txBox="1"/>
-          <p:nvPr/>
-        </p:nvSpPr>
-        <p:spPr>
-          <a:xfrm>
-            <a:off x="2775879" y="2773675"/>
-            <a:ext cx="332509" cy="5909310"/>
-          </a:xfrm>
-          <a:prstGeom prst="rect">
-            <a:avLst/>
-          </a:prstGeom>
-          <a:noFill/>
-        </p:spPr>
-        <p:txBody>
-          <a:bodyPr wrap="square" rtlCol="0">
-            <a:spAutoFit/>
-          </a:bodyPr>
-          <a:lstStyle/>
-          <a:p>
-            <a:r>
-              <a:rPr lang="hu-HU" dirty="0">
-                <a:solidFill>
-                  <a:schemeClr val="accent6">
-                    <a:lumMod val="75000"/>
-                  </a:schemeClr>
-                </a:solidFill>
-              </a:rPr>
-              <a:t>011010101010101010110</a:t>
-            </a:r>
-          </a:p>
-        </p:txBody>
-      </p:sp>
-      <p:sp>
-        <p:nvSpPr>
-          <p:cNvPr id="10" name="Szövegdoboz 9">
-            <a:extLst>
-              <a:ext uri="{FF2B5EF4-FFF2-40B4-BE49-F238E27FC236}">
-                <a16:creationId xmlns:a16="http://schemas.microsoft.com/office/drawing/2014/main" id="{6538561A-184D-49FD-A928-F2541ECFDFB9}"/>
-              </a:ext>
-            </a:extLst>
-          </p:cNvPr>
-          <p:cNvSpPr txBox="1"/>
-          <p:nvPr/>
-        </p:nvSpPr>
-        <p:spPr>
-          <a:xfrm>
-            <a:off x="2098275" y="3602038"/>
-            <a:ext cx="332509" cy="5909310"/>
-          </a:xfrm>
-          <a:prstGeom prst="rect">
-            <a:avLst/>
-          </a:prstGeom>
-          <a:noFill/>
-        </p:spPr>
-        <p:txBody>
-          <a:bodyPr wrap="square" rtlCol="0">
-            <a:spAutoFit/>
-          </a:bodyPr>
-          <a:lstStyle/>
-          <a:p>
-            <a:r>
-              <a:rPr lang="hu-HU" dirty="0">
-                <a:solidFill>
-                  <a:schemeClr val="accent6">
-                    <a:lumMod val="75000"/>
-                  </a:schemeClr>
-                </a:solidFill>
-              </a:rPr>
-              <a:t>010111100101001010110</a:t>
-            </a:r>
-          </a:p>
-        </p:txBody>
-      </p:sp>
-      <p:sp>
-        <p:nvSpPr>
-          <p:cNvPr id="11" name="Szövegdoboz 10">
-            <a:extLst>
-              <a:ext uri="{FF2B5EF4-FFF2-40B4-BE49-F238E27FC236}">
-                <a16:creationId xmlns:a16="http://schemas.microsoft.com/office/drawing/2014/main" id="{101203CB-9D5F-46F2-AF5E-EFB5DD9022E0}"/>
-              </a:ext>
-            </a:extLst>
-          </p:cNvPr>
-          <p:cNvSpPr txBox="1"/>
-          <p:nvPr/>
-        </p:nvSpPr>
-        <p:spPr>
-          <a:xfrm>
-            <a:off x="2350194" y="3645490"/>
-            <a:ext cx="332509" cy="5909310"/>
-          </a:xfrm>
-          <a:prstGeom prst="rect">
-            <a:avLst/>
-          </a:prstGeom>
-          <a:noFill/>
-        </p:spPr>
-        <p:txBody>
-          <a:bodyPr wrap="square" rtlCol="0">
-            <a:spAutoFit/>
-          </a:bodyPr>
-          <a:lstStyle/>
-          <a:p>
-            <a:r>
-              <a:rPr lang="hu-HU" dirty="0">
-                <a:solidFill>
-                  <a:schemeClr val="accent6">
-                    <a:lumMod val="75000"/>
-                  </a:schemeClr>
-                </a:solidFill>
-              </a:rPr>
-              <a:t>010111010011111010110</a:t>
-            </a:r>
-          </a:p>
-        </p:txBody>
-      </p:sp>
-      <p:sp>
-        <p:nvSpPr>
-          <p:cNvPr id="12" name="Szövegdoboz 11">
-            <a:extLst>
-              <a:ext uri="{FF2B5EF4-FFF2-40B4-BE49-F238E27FC236}">
-                <a16:creationId xmlns:a16="http://schemas.microsoft.com/office/drawing/2014/main" id="{F28809CE-59E5-4559-AB33-88C02F05777C}"/>
-              </a:ext>
-            </a:extLst>
-          </p:cNvPr>
-          <p:cNvSpPr txBox="1"/>
-          <p:nvPr/>
-        </p:nvSpPr>
-        <p:spPr>
-          <a:xfrm>
-            <a:off x="2372434" y="-2141822"/>
-            <a:ext cx="332509" cy="5909310"/>
-          </a:xfrm>
-          <a:prstGeom prst="rect">
-            <a:avLst/>
-          </a:prstGeom>
-          <a:noFill/>
-        </p:spPr>
-        <p:txBody>
-          <a:bodyPr wrap="square" rtlCol="0">
-            <a:spAutoFit/>
-          </a:bodyPr>
-          <a:lstStyle/>
-          <a:p>
-            <a:r>
-              <a:rPr lang="hu-HU" dirty="0">
-                <a:solidFill>
-                  <a:schemeClr val="accent6">
-                    <a:lumMod val="75000"/>
-                  </a:schemeClr>
-                </a:solidFill>
-              </a:rPr>
-              <a:t>010111001000011010110</a:t>
-            </a:r>
-          </a:p>
-        </p:txBody>
-      </p:sp>
-      <p:sp>
-        <p:nvSpPr>
-          <p:cNvPr id="13" name="Szövegdoboz 12">
-            <a:extLst>
-              <a:ext uri="{FF2B5EF4-FFF2-40B4-BE49-F238E27FC236}">
-                <a16:creationId xmlns:a16="http://schemas.microsoft.com/office/drawing/2014/main" id="{E3F8C417-C1F4-49A1-AEC1-DA287E27EE7B}"/>
-              </a:ext>
-            </a:extLst>
-          </p:cNvPr>
-          <p:cNvSpPr txBox="1"/>
-          <p:nvPr/>
-        </p:nvSpPr>
-        <p:spPr>
-          <a:xfrm>
-            <a:off x="2786289" y="-2964616"/>
-            <a:ext cx="332509" cy="5909310"/>
-          </a:xfrm>
-          <a:prstGeom prst="rect">
-            <a:avLst/>
-          </a:prstGeom>
-          <a:noFill/>
-        </p:spPr>
-        <p:txBody>
-          <a:bodyPr wrap="square" rtlCol="0">
-            <a:spAutoFit/>
-          </a:bodyPr>
-          <a:lstStyle/>
-          <a:p>
-            <a:r>
-              <a:rPr lang="hu-HU" dirty="0">
-                <a:solidFill>
-                  <a:schemeClr val="accent6">
-                    <a:lumMod val="75000"/>
-                  </a:schemeClr>
-                </a:solidFill>
-              </a:rPr>
-              <a:t>010110111010101010110</a:t>
-            </a:r>
-          </a:p>
-        </p:txBody>
-      </p:sp>
-      <p:sp>
-        <p:nvSpPr>
-          <p:cNvPr id="14" name="Szövegdoboz 13">
-            <a:extLst>
-              <a:ext uri="{FF2B5EF4-FFF2-40B4-BE49-F238E27FC236}">
-                <a16:creationId xmlns:a16="http://schemas.microsoft.com/office/drawing/2014/main" id="{2E22C177-E2BE-4935-8A1E-D51A7D499C49}"/>
-              </a:ext>
-            </a:extLst>
-          </p:cNvPr>
-          <p:cNvSpPr txBox="1"/>
-          <p:nvPr/>
-        </p:nvSpPr>
-        <p:spPr>
-          <a:xfrm>
-            <a:off x="4333059" y="3684793"/>
-            <a:ext cx="332509" cy="3970318"/>
-          </a:xfrm>
-          <a:prstGeom prst="rect">
-            <a:avLst/>
-          </a:prstGeom>
-          <a:noFill/>
-        </p:spPr>
-        <p:txBody>
-          <a:bodyPr wrap="square" rtlCol="0">
-            <a:spAutoFit/>
-          </a:bodyPr>
-          <a:lstStyle/>
-          <a:p>
-            <a:r>
-              <a:rPr lang="hu-HU" dirty="0">
-                <a:solidFill>
-                  <a:schemeClr val="accent6">
-                    <a:lumMod val="75000"/>
-                  </a:schemeClr>
-                </a:solidFill>
-              </a:rPr>
-              <a:t>01010101011010</a:t>
-            </a:r>
-          </a:p>
-        </p:txBody>
-      </p:sp>
-      <p:sp>
-        <p:nvSpPr>
-          <p:cNvPr id="15" name="Szövegdoboz 14">
-            <a:extLst>
-              <a:ext uri="{FF2B5EF4-FFF2-40B4-BE49-F238E27FC236}">
-                <a16:creationId xmlns:a16="http://schemas.microsoft.com/office/drawing/2014/main" id="{F4FC90E4-CE57-4B08-A9B2-3B318B302748}"/>
-              </a:ext>
-            </a:extLst>
-          </p:cNvPr>
-          <p:cNvSpPr txBox="1"/>
-          <p:nvPr/>
-        </p:nvSpPr>
-        <p:spPr>
-          <a:xfrm>
-            <a:off x="4754880" y="3684793"/>
-            <a:ext cx="332509" cy="3970318"/>
-          </a:xfrm>
-          <a:prstGeom prst="rect">
-            <a:avLst/>
-          </a:prstGeom>
-          <a:noFill/>
-        </p:spPr>
-        <p:txBody>
-          <a:bodyPr wrap="square" rtlCol="0">
-            <a:spAutoFit/>
-          </a:bodyPr>
-          <a:lstStyle/>
-          <a:p>
-            <a:r>
-              <a:rPr lang="hu-HU" dirty="0">
-                <a:solidFill>
-                  <a:schemeClr val="accent6">
-                    <a:lumMod val="75000"/>
-                  </a:schemeClr>
-                </a:solidFill>
-              </a:rPr>
-              <a:t>01010101011010</a:t>
-            </a:r>
-          </a:p>
-        </p:txBody>
-      </p:sp>
-      <p:sp>
-        <p:nvSpPr>
-          <p:cNvPr id="16" name="Szövegdoboz 15">
-            <a:extLst>
-              <a:ext uri="{FF2B5EF4-FFF2-40B4-BE49-F238E27FC236}">
-                <a16:creationId xmlns:a16="http://schemas.microsoft.com/office/drawing/2014/main" id="{792F1949-6C4A-4001-8ED0-07C354AD1395}"/>
-              </a:ext>
-            </a:extLst>
-          </p:cNvPr>
-          <p:cNvSpPr txBox="1"/>
-          <p:nvPr/>
-        </p:nvSpPr>
-        <p:spPr>
-          <a:xfrm>
-            <a:off x="5231476" y="3691027"/>
-            <a:ext cx="332509" cy="3970318"/>
-          </a:xfrm>
-          <a:prstGeom prst="rect">
-            <a:avLst/>
-          </a:prstGeom>
-          <a:noFill/>
-        </p:spPr>
-        <p:txBody>
-          <a:bodyPr wrap="square" rtlCol="0">
-            <a:spAutoFit/>
-          </a:bodyPr>
-          <a:lstStyle/>
-          <a:p>
-            <a:r>
-              <a:rPr lang="hu-HU" dirty="0">
-                <a:solidFill>
-                  <a:schemeClr val="accent6">
-                    <a:lumMod val="75000"/>
-                  </a:schemeClr>
-                </a:solidFill>
-              </a:rPr>
-              <a:t>01010101011010</a:t>
-            </a:r>
-          </a:p>
-        </p:txBody>
-      </p:sp>
-      <p:sp>
-        <p:nvSpPr>
-          <p:cNvPr id="17" name="Szövegdoboz 16">
-            <a:extLst>
-              <a:ext uri="{FF2B5EF4-FFF2-40B4-BE49-F238E27FC236}">
-                <a16:creationId xmlns:a16="http://schemas.microsoft.com/office/drawing/2014/main" id="{1AED005D-8236-4059-A472-B91427A2FBBE}"/>
-              </a:ext>
-            </a:extLst>
-          </p:cNvPr>
-          <p:cNvSpPr txBox="1"/>
-          <p:nvPr/>
-        </p:nvSpPr>
-        <p:spPr>
-          <a:xfrm>
-            <a:off x="4987278" y="-1269544"/>
-            <a:ext cx="332509" cy="3970318"/>
-          </a:xfrm>
-          <a:prstGeom prst="rect">
-            <a:avLst/>
-          </a:prstGeom>
-          <a:noFill/>
-        </p:spPr>
-        <p:txBody>
-          <a:bodyPr wrap="square" rtlCol="0">
-            <a:spAutoFit/>
-          </a:bodyPr>
-          <a:lstStyle/>
-          <a:p>
-            <a:r>
-              <a:rPr lang="hu-HU" dirty="0">
-                <a:solidFill>
-                  <a:schemeClr val="accent6">
-                    <a:lumMod val="75000"/>
-                  </a:schemeClr>
-                </a:solidFill>
-              </a:rPr>
-              <a:t>01010101011010</a:t>
-            </a:r>
-          </a:p>
-        </p:txBody>
-      </p:sp>
-      <p:sp>
-        <p:nvSpPr>
-          <p:cNvPr id="18" name="Szövegdoboz 17">
-            <a:extLst>
-              <a:ext uri="{FF2B5EF4-FFF2-40B4-BE49-F238E27FC236}">
-                <a16:creationId xmlns:a16="http://schemas.microsoft.com/office/drawing/2014/main" id="{088C046D-5419-45C0-98E5-23D840FE5339}"/>
-              </a:ext>
-            </a:extLst>
-          </p:cNvPr>
-          <p:cNvSpPr txBox="1"/>
-          <p:nvPr/>
-        </p:nvSpPr>
-        <p:spPr>
-          <a:xfrm>
-            <a:off x="5309989" y="-1252967"/>
-            <a:ext cx="332509" cy="3970318"/>
-          </a:xfrm>
-          <a:prstGeom prst="rect">
-            <a:avLst/>
-          </a:prstGeom>
-          <a:noFill/>
-        </p:spPr>
-        <p:txBody>
-          <a:bodyPr wrap="square" rtlCol="0">
-            <a:spAutoFit/>
-          </a:bodyPr>
-          <a:lstStyle/>
-          <a:p>
-            <a:r>
-              <a:rPr lang="hu-HU" dirty="0">
-                <a:solidFill>
-                  <a:schemeClr val="accent6">
-                    <a:lumMod val="75000"/>
-                  </a:schemeClr>
-                </a:solidFill>
-              </a:rPr>
-              <a:t>01010101011010</a:t>
-            </a:r>
-          </a:p>
-        </p:txBody>
-      </p:sp>
-      <p:sp>
-        <p:nvSpPr>
-          <p:cNvPr id="19" name="Szövegdoboz 18">
-            <a:extLst>
-              <a:ext uri="{FF2B5EF4-FFF2-40B4-BE49-F238E27FC236}">
-                <a16:creationId xmlns:a16="http://schemas.microsoft.com/office/drawing/2014/main" id="{3AFA5E70-EC2F-4E1B-870B-706AFE98F52E}"/>
-              </a:ext>
-            </a:extLst>
-          </p:cNvPr>
-          <p:cNvSpPr txBox="1"/>
-          <p:nvPr/>
-        </p:nvSpPr>
-        <p:spPr>
-          <a:xfrm>
-            <a:off x="5716071" y="3335838"/>
-            <a:ext cx="332509" cy="3970318"/>
-          </a:xfrm>
-          <a:prstGeom prst="rect">
-            <a:avLst/>
-          </a:prstGeom>
-          <a:noFill/>
-        </p:spPr>
-        <p:txBody>
-          <a:bodyPr wrap="square" rtlCol="0">
-            <a:spAutoFit/>
-          </a:bodyPr>
-          <a:lstStyle/>
-          <a:p>
-            <a:r>
-              <a:rPr lang="hu-HU" dirty="0">
-                <a:solidFill>
-                  <a:schemeClr val="accent6">
-                    <a:lumMod val="75000"/>
-                  </a:schemeClr>
-                </a:solidFill>
-              </a:rPr>
-              <a:t>01010101011010</a:t>
-            </a:r>
-          </a:p>
-        </p:txBody>
-      </p:sp>
-      <p:sp>
-        <p:nvSpPr>
-          <p:cNvPr id="20" name="Szövegdoboz 19">
-            <a:extLst>
-              <a:ext uri="{FF2B5EF4-FFF2-40B4-BE49-F238E27FC236}">
-                <a16:creationId xmlns:a16="http://schemas.microsoft.com/office/drawing/2014/main" id="{22A3DD54-9D74-44E5-84D6-70246F6701BA}"/>
-              </a:ext>
-            </a:extLst>
-          </p:cNvPr>
-          <p:cNvSpPr txBox="1"/>
-          <p:nvPr/>
-        </p:nvSpPr>
-        <p:spPr>
-          <a:xfrm>
-            <a:off x="6046516" y="3406059"/>
-            <a:ext cx="332509" cy="3970318"/>
-          </a:xfrm>
-          <a:prstGeom prst="rect">
-            <a:avLst/>
-          </a:prstGeom>
-          <a:noFill/>
-        </p:spPr>
-        <p:txBody>
-          <a:bodyPr wrap="square" rtlCol="0">
-            <a:spAutoFit/>
-          </a:bodyPr>
-          <a:lstStyle/>
-          <a:p>
-            <a:r>
-              <a:rPr lang="hu-HU" dirty="0">
-                <a:solidFill>
-                  <a:schemeClr val="accent6">
-                    <a:lumMod val="75000"/>
-                  </a:schemeClr>
-                </a:solidFill>
-              </a:rPr>
-              <a:t>01010101011010</a:t>
-            </a:r>
-          </a:p>
-        </p:txBody>
-      </p:sp>
-      <p:sp>
-        <p:nvSpPr>
-          <p:cNvPr id="21" name="Szövegdoboz 20">
-            <a:extLst>
-              <a:ext uri="{FF2B5EF4-FFF2-40B4-BE49-F238E27FC236}">
-                <a16:creationId xmlns:a16="http://schemas.microsoft.com/office/drawing/2014/main" id="{DCFB56B5-4DF0-4EE7-AF88-8FC49FBA6F40}"/>
-              </a:ext>
-            </a:extLst>
-          </p:cNvPr>
-          <p:cNvSpPr txBox="1"/>
-          <p:nvPr/>
-        </p:nvSpPr>
-        <p:spPr>
-          <a:xfrm>
-            <a:off x="7479467" y="3543116"/>
-            <a:ext cx="332509" cy="3970318"/>
-          </a:xfrm>
-          <a:prstGeom prst="rect">
-            <a:avLst/>
-          </a:prstGeom>
-          <a:noFill/>
-        </p:spPr>
-        <p:txBody>
-          <a:bodyPr wrap="square" rtlCol="0">
-            <a:spAutoFit/>
-          </a:bodyPr>
-          <a:lstStyle/>
-          <a:p>
-            <a:r>
-              <a:rPr lang="hu-HU" dirty="0">
-                <a:solidFill>
-                  <a:schemeClr val="accent6">
-                    <a:lumMod val="75000"/>
-                  </a:schemeClr>
-                </a:solidFill>
-              </a:rPr>
-              <a:t>01010101011010</a:t>
-            </a:r>
-          </a:p>
-        </p:txBody>
-      </p:sp>
-      <p:sp>
-        <p:nvSpPr>
-          <p:cNvPr id="24" name="Szövegdoboz 23">
-            <a:extLst>
-              <a:ext uri="{FF2B5EF4-FFF2-40B4-BE49-F238E27FC236}">
-                <a16:creationId xmlns:a16="http://schemas.microsoft.com/office/drawing/2014/main" id="{E5CF4EF2-46A3-43CD-9B34-310F2135BB4D}"/>
-              </a:ext>
-            </a:extLst>
-          </p:cNvPr>
-          <p:cNvSpPr txBox="1"/>
-          <p:nvPr/>
-        </p:nvSpPr>
-        <p:spPr>
-          <a:xfrm>
-            <a:off x="7945145" y="1207879"/>
-            <a:ext cx="332509" cy="5909310"/>
-          </a:xfrm>
-          <a:prstGeom prst="rect">
-            <a:avLst/>
-          </a:prstGeom>
-          <a:noFill/>
-        </p:spPr>
-        <p:txBody>
-          <a:bodyPr wrap="square" rtlCol="0">
-            <a:spAutoFit/>
-          </a:bodyPr>
-          <a:lstStyle/>
-          <a:p>
-            <a:r>
-              <a:rPr lang="hu-HU" dirty="0">
-                <a:solidFill>
-                  <a:schemeClr val="accent6">
-                    <a:lumMod val="75000"/>
-                  </a:schemeClr>
-                </a:solidFill>
-              </a:rPr>
-              <a:t>010101000110101010110</a:t>
-            </a:r>
-          </a:p>
-        </p:txBody>
-      </p:sp>
-      <p:sp>
-        <p:nvSpPr>
-          <p:cNvPr id="25" name="Szövegdoboz 24">
-            <a:extLst>
-              <a:ext uri="{FF2B5EF4-FFF2-40B4-BE49-F238E27FC236}">
-                <a16:creationId xmlns:a16="http://schemas.microsoft.com/office/drawing/2014/main" id="{954B47E8-EC93-4BAE-BB91-A2BB6CC48D15}"/>
-              </a:ext>
-            </a:extLst>
-          </p:cNvPr>
-          <p:cNvSpPr txBox="1"/>
-          <p:nvPr/>
-        </p:nvSpPr>
-        <p:spPr>
-          <a:xfrm>
-            <a:off x="7942217" y="-4610831"/>
-            <a:ext cx="332509" cy="5909310"/>
-          </a:xfrm>
-          <a:prstGeom prst="rect">
-            <a:avLst/>
-          </a:prstGeom>
-          <a:noFill/>
-        </p:spPr>
-        <p:txBody>
-          <a:bodyPr wrap="square" rtlCol="0">
-            <a:spAutoFit/>
-          </a:bodyPr>
-          <a:lstStyle/>
-          <a:p>
-            <a:r>
-              <a:rPr lang="hu-HU" dirty="0">
-                <a:solidFill>
-                  <a:schemeClr val="accent6">
-                    <a:lumMod val="75000"/>
-                  </a:schemeClr>
-                </a:solidFill>
-              </a:rPr>
-              <a:t>010101010100011100110</a:t>
-            </a:r>
-          </a:p>
-        </p:txBody>
-      </p:sp>
-      <p:sp>
-        <p:nvSpPr>
-          <p:cNvPr id="26" name="Szövegdoboz 25">
-            <a:extLst>
-              <a:ext uri="{FF2B5EF4-FFF2-40B4-BE49-F238E27FC236}">
-                <a16:creationId xmlns:a16="http://schemas.microsoft.com/office/drawing/2014/main" id="{F1403E27-2327-4A81-BB5B-0962EC57361B}"/>
-              </a:ext>
-            </a:extLst>
-          </p:cNvPr>
-          <p:cNvSpPr txBox="1"/>
-          <p:nvPr/>
-        </p:nvSpPr>
-        <p:spPr>
-          <a:xfrm>
-            <a:off x="8388318" y="3611361"/>
-            <a:ext cx="332509" cy="5632311"/>
-          </a:xfrm>
-          <a:prstGeom prst="rect">
-            <a:avLst/>
-          </a:prstGeom>
-          <a:noFill/>
-        </p:spPr>
-        <p:txBody>
-          <a:bodyPr wrap="square" rtlCol="0">
-            <a:spAutoFit/>
-          </a:bodyPr>
-          <a:lstStyle/>
-          <a:p>
-            <a:r>
-              <a:rPr lang="hu-HU" dirty="0">
-                <a:solidFill>
-                  <a:schemeClr val="accent6">
-                    <a:lumMod val="75000"/>
-                  </a:schemeClr>
-                </a:solidFill>
-              </a:rPr>
-              <a:t>01010101000101100110</a:t>
-            </a:r>
-          </a:p>
-        </p:txBody>
-      </p:sp>
-      <p:sp>
-        <p:nvSpPr>
-          <p:cNvPr id="27" name="Szövegdoboz 26">
-            <a:extLst>
-              <a:ext uri="{FF2B5EF4-FFF2-40B4-BE49-F238E27FC236}">
-                <a16:creationId xmlns:a16="http://schemas.microsoft.com/office/drawing/2014/main" id="{8B0DFC72-AB52-48C9-BF70-50EB11C7965A}"/>
-              </a:ext>
-            </a:extLst>
-          </p:cNvPr>
-          <p:cNvSpPr txBox="1"/>
-          <p:nvPr/>
-        </p:nvSpPr>
-        <p:spPr>
-          <a:xfrm>
-            <a:off x="8760499" y="2458800"/>
-            <a:ext cx="332509" cy="5909310"/>
-          </a:xfrm>
-          <a:prstGeom prst="rect">
-            <a:avLst/>
-          </a:prstGeom>
-          <a:noFill/>
-        </p:spPr>
-        <p:txBody>
-          <a:bodyPr wrap="square" rtlCol="0">
-            <a:spAutoFit/>
-          </a:bodyPr>
-          <a:lstStyle/>
-          <a:p>
-            <a:r>
-              <a:rPr lang="hu-HU" dirty="0">
-                <a:solidFill>
-                  <a:schemeClr val="accent6">
-                    <a:lumMod val="75000"/>
-                  </a:schemeClr>
-                </a:solidFill>
-              </a:rPr>
-              <a:t>010101010110101010110</a:t>
-            </a:r>
-          </a:p>
-        </p:txBody>
-      </p:sp>
-      <p:sp>
-        <p:nvSpPr>
-          <p:cNvPr id="28" name="Szövegdoboz 27">
-            <a:extLst>
-              <a:ext uri="{FF2B5EF4-FFF2-40B4-BE49-F238E27FC236}">
-                <a16:creationId xmlns:a16="http://schemas.microsoft.com/office/drawing/2014/main" id="{27267AA6-BCC3-4F54-BFA4-490EC6DC5F38}"/>
-              </a:ext>
-            </a:extLst>
-          </p:cNvPr>
-          <p:cNvSpPr txBox="1"/>
-          <p:nvPr/>
-        </p:nvSpPr>
-        <p:spPr>
-          <a:xfrm>
-            <a:off x="8756291" y="-3457290"/>
-            <a:ext cx="332509" cy="5909310"/>
-          </a:xfrm>
-          <a:prstGeom prst="rect">
-            <a:avLst/>
-          </a:prstGeom>
-          <a:noFill/>
-        </p:spPr>
-        <p:txBody>
-          <a:bodyPr wrap="square" rtlCol="0">
-            <a:spAutoFit/>
-          </a:bodyPr>
-          <a:lstStyle/>
-          <a:p>
-            <a:r>
-              <a:rPr lang="hu-HU" dirty="0">
-                <a:solidFill>
-                  <a:schemeClr val="accent6">
-                    <a:lumMod val="75000"/>
-                  </a:schemeClr>
-                </a:solidFill>
-              </a:rPr>
-              <a:t>010101101110001010110</a:t>
-            </a:r>
-          </a:p>
-        </p:txBody>
-      </p:sp>
-      <p:sp>
-        <p:nvSpPr>
-          <p:cNvPr id="29" name="Szövegdoboz 28">
-            <a:extLst>
-              <a:ext uri="{FF2B5EF4-FFF2-40B4-BE49-F238E27FC236}">
-                <a16:creationId xmlns:a16="http://schemas.microsoft.com/office/drawing/2014/main" id="{6D4B454F-AB3E-4E39-8F5F-C644C857F5E1}"/>
-              </a:ext>
-            </a:extLst>
-          </p:cNvPr>
-          <p:cNvSpPr txBox="1"/>
-          <p:nvPr/>
-        </p:nvSpPr>
-        <p:spPr>
-          <a:xfrm>
-            <a:off x="9075479" y="2603481"/>
-            <a:ext cx="332509" cy="5909310"/>
-          </a:xfrm>
-          <a:prstGeom prst="rect">
-            <a:avLst/>
-          </a:prstGeom>
-          <a:noFill/>
-        </p:spPr>
-        <p:txBody>
-          <a:bodyPr wrap="square" rtlCol="0">
-            <a:spAutoFit/>
-          </a:bodyPr>
-          <a:lstStyle/>
-          <a:p>
-            <a:r>
-              <a:rPr lang="hu-HU" dirty="0">
-                <a:solidFill>
-                  <a:schemeClr val="accent6">
-                    <a:lumMod val="75000"/>
-                  </a:schemeClr>
-                </a:solidFill>
-              </a:rPr>
-              <a:t>010101010110101010110</a:t>
-            </a:r>
-          </a:p>
-        </p:txBody>
-      </p:sp>
-      <p:sp>
-        <p:nvSpPr>
-          <p:cNvPr id="30" name="Szövegdoboz 29">
-            <a:extLst>
-              <a:ext uri="{FF2B5EF4-FFF2-40B4-BE49-F238E27FC236}">
-                <a16:creationId xmlns:a16="http://schemas.microsoft.com/office/drawing/2014/main" id="{770D1067-34CF-4878-ADE3-7C0212F5FCE0}"/>
-              </a:ext>
-            </a:extLst>
-          </p:cNvPr>
-          <p:cNvSpPr txBox="1"/>
-          <p:nvPr/>
-        </p:nvSpPr>
-        <p:spPr>
-          <a:xfrm>
-            <a:off x="9070805" y="-3221004"/>
-            <a:ext cx="332509" cy="5909310"/>
-          </a:xfrm>
-          <a:prstGeom prst="rect">
-            <a:avLst/>
-          </a:prstGeom>
-          <a:noFill/>
-        </p:spPr>
-        <p:txBody>
-          <a:bodyPr wrap="square" rtlCol="0">
-            <a:spAutoFit/>
-          </a:bodyPr>
-          <a:lstStyle/>
-          <a:p>
-            <a:r>
-              <a:rPr lang="hu-HU" dirty="0">
-                <a:solidFill>
-                  <a:schemeClr val="accent6">
-                    <a:lumMod val="75000"/>
-                  </a:schemeClr>
-                </a:solidFill>
-              </a:rPr>
-              <a:t>010101010110101010110</a:t>
-            </a:r>
-          </a:p>
-        </p:txBody>
-      </p:sp>
-      <p:sp>
-        <p:nvSpPr>
-          <p:cNvPr id="31" name="Szövegdoboz 30">
-            <a:extLst>
-              <a:ext uri="{FF2B5EF4-FFF2-40B4-BE49-F238E27FC236}">
-                <a16:creationId xmlns:a16="http://schemas.microsoft.com/office/drawing/2014/main" id="{549B7824-07B5-4611-9891-971A46007A32}"/>
-              </a:ext>
-            </a:extLst>
-          </p:cNvPr>
-          <p:cNvSpPr txBox="1"/>
-          <p:nvPr/>
-        </p:nvSpPr>
-        <p:spPr>
-          <a:xfrm>
-            <a:off x="1674775" y="-2806065"/>
-            <a:ext cx="332509" cy="5909310"/>
-          </a:xfrm>
-          <a:prstGeom prst="rect">
-            <a:avLst/>
-          </a:prstGeom>
-          <a:noFill/>
-        </p:spPr>
-        <p:txBody>
-          <a:bodyPr wrap="square" rtlCol="0">
-            <a:spAutoFit/>
-          </a:bodyPr>
-          <a:lstStyle/>
-          <a:p>
-            <a:r>
-              <a:rPr lang="hu-HU" dirty="0">
-                <a:solidFill>
-                  <a:schemeClr val="accent6">
-                    <a:lumMod val="75000"/>
-                  </a:schemeClr>
-                </a:solidFill>
-              </a:rPr>
-              <a:t>010101010110101010110</a:t>
-            </a:r>
-          </a:p>
-        </p:txBody>
-      </p:sp>
-      <p:sp>
-        <p:nvSpPr>
-          <p:cNvPr id="32" name="Szövegdoboz 31">
-            <a:extLst>
-              <a:ext uri="{FF2B5EF4-FFF2-40B4-BE49-F238E27FC236}">
-                <a16:creationId xmlns:a16="http://schemas.microsoft.com/office/drawing/2014/main" id="{93255A21-B0FD-424E-91D0-6CAEDAFA3174}"/>
-              </a:ext>
-            </a:extLst>
-          </p:cNvPr>
-          <p:cNvSpPr txBox="1"/>
-          <p:nvPr/>
-        </p:nvSpPr>
-        <p:spPr>
-          <a:xfrm>
-            <a:off x="2125058" y="-2818797"/>
-            <a:ext cx="332509" cy="5909310"/>
-          </a:xfrm>
-          <a:prstGeom prst="rect">
-            <a:avLst/>
-          </a:prstGeom>
-          <a:noFill/>
-        </p:spPr>
-        <p:txBody>
-          <a:bodyPr wrap="square" rtlCol="0">
-            <a:spAutoFit/>
-          </a:bodyPr>
-          <a:lstStyle/>
-          <a:p>
-            <a:r>
-              <a:rPr lang="hu-HU" dirty="0">
-                <a:solidFill>
-                  <a:schemeClr val="accent6">
-                    <a:lumMod val="75000"/>
-                  </a:schemeClr>
-                </a:solidFill>
-              </a:rPr>
-              <a:t>010101010110101010110</a:t>
-            </a:r>
-          </a:p>
-        </p:txBody>
-      </p:sp>
-      <p:sp>
-        <p:nvSpPr>
-          <p:cNvPr id="33" name="Szövegdoboz 32">
-            <a:extLst>
-              <a:ext uri="{FF2B5EF4-FFF2-40B4-BE49-F238E27FC236}">
-                <a16:creationId xmlns:a16="http://schemas.microsoft.com/office/drawing/2014/main" id="{256621DF-48F0-422C-95FB-C951D0EA7D9B}"/>
-              </a:ext>
-            </a:extLst>
-          </p:cNvPr>
-          <p:cNvSpPr txBox="1"/>
-          <p:nvPr/>
-        </p:nvSpPr>
-        <p:spPr>
-          <a:xfrm>
-            <a:off x="1211880" y="-2818797"/>
-            <a:ext cx="332509" cy="5909310"/>
-          </a:xfrm>
-          <a:prstGeom prst="rect">
-            <a:avLst/>
-          </a:prstGeom>
-          <a:noFill/>
-        </p:spPr>
-        <p:txBody>
-          <a:bodyPr wrap="square" rtlCol="0">
-            <a:spAutoFit/>
-          </a:bodyPr>
-          <a:lstStyle/>
-          <a:p>
-            <a:r>
-              <a:rPr lang="hu-HU" dirty="0">
-                <a:solidFill>
-                  <a:schemeClr val="accent6">
-                    <a:lumMod val="75000"/>
-                  </a:schemeClr>
-                </a:solidFill>
-              </a:rPr>
-              <a:t>010101010110101010110</a:t>
-            </a:r>
-          </a:p>
-        </p:txBody>
-      </p:sp>
-      <p:sp>
-        <p:nvSpPr>
-          <p:cNvPr id="34" name="Szövegdoboz 33">
-            <a:extLst>
-              <a:ext uri="{FF2B5EF4-FFF2-40B4-BE49-F238E27FC236}">
-                <a16:creationId xmlns:a16="http://schemas.microsoft.com/office/drawing/2014/main" id="{FCE47A5D-2802-48E5-9B30-D76A5E9FD39F}"/>
-              </a:ext>
-            </a:extLst>
-          </p:cNvPr>
-          <p:cNvSpPr txBox="1"/>
-          <p:nvPr/>
-        </p:nvSpPr>
-        <p:spPr>
-          <a:xfrm>
-            <a:off x="4350326" y="-3241690"/>
-            <a:ext cx="332509" cy="5909310"/>
-          </a:xfrm>
-          <a:prstGeom prst="rect">
-            <a:avLst/>
-          </a:prstGeom>
-          <a:noFill/>
-        </p:spPr>
-        <p:txBody>
-          <a:bodyPr wrap="square" rtlCol="0">
-            <a:spAutoFit/>
-          </a:bodyPr>
-          <a:lstStyle/>
-          <a:p>
-            <a:r>
-              <a:rPr lang="hu-HU" dirty="0">
-                <a:solidFill>
-                  <a:schemeClr val="accent6">
-                    <a:lumMod val="75000"/>
-                  </a:schemeClr>
-                </a:solidFill>
-              </a:rPr>
-              <a:t>010101010110101010110</a:t>
-            </a:r>
-          </a:p>
-        </p:txBody>
-      </p:sp>
-      <p:sp>
-        <p:nvSpPr>
-          <p:cNvPr id="35" name="Szövegdoboz 34">
-            <a:hlinkClick r:id="rId3" action="ppaction://hlinksldjump"/>
-            <a:extLst>
-              <a:ext uri="{FF2B5EF4-FFF2-40B4-BE49-F238E27FC236}">
-                <a16:creationId xmlns:a16="http://schemas.microsoft.com/office/drawing/2014/main" id="{983C7066-AE34-4E65-A46E-9246BDE30FE1}"/>
-              </a:ext>
-            </a:extLst>
-          </p:cNvPr>
-          <p:cNvSpPr txBox="1"/>
-          <p:nvPr/>
-        </p:nvSpPr>
-        <p:spPr>
-          <a:xfrm>
-            <a:off x="4383886" y="2773675"/>
+            <a:off x="4894754" y="2915351"/>
             <a:ext cx="2886623" cy="769441"/>
           </a:xfrm>
           <a:prstGeom prst="rect">
@@ -5777,10 +4670,11 @@
       </p:sp>
       <p:sp>
         <p:nvSpPr>
-          <p:cNvPr id="36" name="Szövegdoboz 35">
-            <a:extLst>
-              <a:ext uri="{FF2B5EF4-FFF2-40B4-BE49-F238E27FC236}">
-                <a16:creationId xmlns:a16="http://schemas.microsoft.com/office/drawing/2014/main" id="{05DF0A0D-F4E8-4577-B288-4F573C36185B}"/>
+          <p:cNvPr id="39" name="Szövegdoboz 38">
+            <a:hlinkClick r:id="rId4" action="ppaction://hlinksldjump"/>
+            <a:extLst>
+              <a:ext uri="{FF2B5EF4-FFF2-40B4-BE49-F238E27FC236}">
+                <a16:creationId xmlns:a16="http://schemas.microsoft.com/office/drawing/2014/main" id="{69FBC139-D455-4D71-9FA2-29F9CEA96C1E}"/>
               </a:ext>
             </a:extLst>
           </p:cNvPr>
@@ -5789,131 +4683,7 @@
         </p:nvSpPr>
         <p:spPr>
           <a:xfrm>
-            <a:off x="4683839" y="-3225113"/>
-            <a:ext cx="332509" cy="5909310"/>
-          </a:xfrm>
-          <a:prstGeom prst="rect">
-            <a:avLst/>
-          </a:prstGeom>
-          <a:noFill/>
-        </p:spPr>
-        <p:txBody>
-          <a:bodyPr wrap="square" rtlCol="0">
-            <a:spAutoFit/>
-          </a:bodyPr>
-          <a:lstStyle/>
-          <a:p>
-            <a:r>
-              <a:rPr lang="hu-HU" dirty="0">
-                <a:solidFill>
-                  <a:schemeClr val="accent6">
-                    <a:lumMod val="75000"/>
-                  </a:schemeClr>
-                </a:solidFill>
-              </a:rPr>
-              <a:t>010110111010101010110</a:t>
-            </a:r>
-          </a:p>
-        </p:txBody>
-      </p:sp>
-      <p:sp>
-        <p:nvSpPr>
-          <p:cNvPr id="37" name="Szövegdoboz 36">
-            <a:extLst>
-              <a:ext uri="{FF2B5EF4-FFF2-40B4-BE49-F238E27FC236}">
-                <a16:creationId xmlns:a16="http://schemas.microsoft.com/office/drawing/2014/main" id="{4F064889-C789-4A9E-A649-5BF8C500E4D9}"/>
-              </a:ext>
-            </a:extLst>
-          </p:cNvPr>
-          <p:cNvSpPr txBox="1"/>
-          <p:nvPr/>
-        </p:nvSpPr>
-        <p:spPr>
-          <a:xfrm>
-            <a:off x="5714007" y="-2411321"/>
-            <a:ext cx="332509" cy="5909310"/>
-          </a:xfrm>
-          <a:prstGeom prst="rect">
-            <a:avLst/>
-          </a:prstGeom>
-          <a:noFill/>
-        </p:spPr>
-        <p:txBody>
-          <a:bodyPr wrap="square" rtlCol="0">
-            <a:spAutoFit/>
-          </a:bodyPr>
-          <a:lstStyle/>
-          <a:p>
-            <a:r>
-              <a:rPr lang="hu-HU" dirty="0">
-                <a:solidFill>
-                  <a:schemeClr val="accent6">
-                    <a:lumMod val="75000"/>
-                  </a:schemeClr>
-                </a:solidFill>
-              </a:rPr>
-              <a:t>010110111010101010110</a:t>
-            </a:r>
-          </a:p>
-        </p:txBody>
-      </p:sp>
-      <p:sp>
-        <p:nvSpPr>
-          <p:cNvPr id="38" name="Szövegdoboz 37">
-            <a:extLst>
-              <a:ext uri="{FF2B5EF4-FFF2-40B4-BE49-F238E27FC236}">
-                <a16:creationId xmlns:a16="http://schemas.microsoft.com/office/drawing/2014/main" id="{54B67C49-1829-4C22-B7C9-25EF4767A887}"/>
-              </a:ext>
-            </a:extLst>
-          </p:cNvPr>
-          <p:cNvSpPr txBox="1"/>
-          <p:nvPr/>
-        </p:nvSpPr>
-        <p:spPr>
-          <a:xfrm>
-            <a:off x="6030007" y="-2399347"/>
-            <a:ext cx="332509" cy="5909310"/>
-          </a:xfrm>
-          <a:prstGeom prst="rect">
-            <a:avLst/>
-          </a:prstGeom>
-          <a:noFill/>
-        </p:spPr>
-        <p:txBody>
-          <a:bodyPr wrap="square" rtlCol="0">
-            <a:spAutoFit/>
-          </a:bodyPr>
-          <a:lstStyle/>
-          <a:p>
-            <a:r>
-              <a:rPr lang="hu-HU" dirty="0">
-                <a:solidFill>
-                  <a:schemeClr val="accent6">
-                    <a:lumMod val="75000"/>
-                  </a:schemeClr>
-                </a:solidFill>
-              </a:rPr>
-              <a:t>010110111010101010110</a:t>
-            </a:r>
-          </a:p>
-        </p:txBody>
-      </p:sp>
-      <p:sp>
-        <p:nvSpPr>
-          <p:cNvPr id="39" name="Szövegdoboz 38">
-            <a:hlinkClick r:id="rId4" action="ppaction://hlinksldjump"/>
-            <a:extLst>
-              <a:ext uri="{FF2B5EF4-FFF2-40B4-BE49-F238E27FC236}">
-                <a16:creationId xmlns:a16="http://schemas.microsoft.com/office/drawing/2014/main" id="{69FBC139-D455-4D71-9FA2-29F9CEA96C1E}"/>
-              </a:ext>
-            </a:extLst>
-          </p:cNvPr>
-          <p:cNvSpPr txBox="1"/>
-          <p:nvPr/>
-        </p:nvSpPr>
-        <p:spPr>
-          <a:xfrm>
-            <a:off x="6568443" y="2826813"/>
+            <a:off x="7876247" y="2915352"/>
             <a:ext cx="2886623" cy="769441"/>
           </a:xfrm>
           <a:prstGeom prst="rect">
@@ -5935,7 +4705,7 @@
                   </a:schemeClr>
                 </a:solidFill>
               </a:rPr>
-              <a:t>Js</a:t>
+              <a:t>Javascript</a:t>
             </a:r>
             <a:endParaRPr lang="hu-HU" sz="4400" dirty="0">
               <a:solidFill>
@@ -5949,10 +4719,11 @@
       </p:sp>
       <p:sp>
         <p:nvSpPr>
-          <p:cNvPr id="41" name="Szövegdoboz 40">
-            <a:extLst>
-              <a:ext uri="{FF2B5EF4-FFF2-40B4-BE49-F238E27FC236}">
-                <a16:creationId xmlns:a16="http://schemas.microsoft.com/office/drawing/2014/main" id="{0BE6D551-6078-48C0-97D5-1966E4A945BA}"/>
+          <p:cNvPr id="68" name="Szövegdoboz 67">
+            <a:hlinkClick r:id="rId3" action="ppaction://hlinksldjump"/>
+            <a:extLst>
+              <a:ext uri="{FF2B5EF4-FFF2-40B4-BE49-F238E27FC236}">
+                <a16:creationId xmlns:a16="http://schemas.microsoft.com/office/drawing/2014/main" id="{431F3810-6F54-4F97-A83D-A87E6D7D870E}"/>
               </a:ext>
             </a:extLst>
           </p:cNvPr>
@@ -5961,8 +4732,8 @@
         </p:nvSpPr>
         <p:spPr>
           <a:xfrm>
-            <a:off x="6461762" y="3509963"/>
-            <a:ext cx="332509" cy="5909310"/>
+            <a:off x="4021228" y="737642"/>
+            <a:ext cx="3760149" cy="769441"/>
           </a:xfrm>
           <a:prstGeom prst="rect">
             <a:avLst/>
@@ -5976,1080 +4747,14 @@
           <a:lstStyle/>
           <a:p>
             <a:r>
-              <a:rPr lang="hu-HU" dirty="0">
+              <a:rPr lang="hu-HU" sz="4400" dirty="0">
                 <a:solidFill>
                   <a:schemeClr val="accent6">
                     <a:lumMod val="75000"/>
                   </a:schemeClr>
                 </a:solidFill>
               </a:rPr>
-              <a:t>010101101110001010110</a:t>
-            </a:r>
-          </a:p>
-        </p:txBody>
-      </p:sp>
-      <p:sp>
-        <p:nvSpPr>
-          <p:cNvPr id="42" name="Szövegdoboz 41">
-            <a:extLst>
-              <a:ext uri="{FF2B5EF4-FFF2-40B4-BE49-F238E27FC236}">
-                <a16:creationId xmlns:a16="http://schemas.microsoft.com/office/drawing/2014/main" id="{91C0D21B-8735-4CEE-A718-43CC68607BD6}"/>
-              </a:ext>
-            </a:extLst>
-          </p:cNvPr>
-          <p:cNvSpPr txBox="1"/>
-          <p:nvPr/>
-        </p:nvSpPr>
-        <p:spPr>
-          <a:xfrm>
-            <a:off x="6812676" y="3511955"/>
-            <a:ext cx="332509" cy="5909310"/>
-          </a:xfrm>
-          <a:prstGeom prst="rect">
-            <a:avLst/>
-          </a:prstGeom>
-          <a:noFill/>
-        </p:spPr>
-        <p:txBody>
-          <a:bodyPr wrap="square" rtlCol="0">
-            <a:spAutoFit/>
-          </a:bodyPr>
-          <a:lstStyle/>
-          <a:p>
-            <a:r>
-              <a:rPr lang="hu-HU" dirty="0">
-                <a:solidFill>
-                  <a:schemeClr val="accent6">
-                    <a:lumMod val="75000"/>
-                  </a:schemeClr>
-                </a:solidFill>
-              </a:rPr>
-              <a:t>010101101110001010110</a:t>
-            </a:r>
-          </a:p>
-        </p:txBody>
-      </p:sp>
-      <p:sp>
-        <p:nvSpPr>
-          <p:cNvPr id="43" name="Szövegdoboz 42">
-            <a:extLst>
-              <a:ext uri="{FF2B5EF4-FFF2-40B4-BE49-F238E27FC236}">
-                <a16:creationId xmlns:a16="http://schemas.microsoft.com/office/drawing/2014/main" id="{5320FD7E-41AF-4B97-8C5E-C10797D9689A}"/>
-              </a:ext>
-            </a:extLst>
-          </p:cNvPr>
-          <p:cNvSpPr txBox="1"/>
-          <p:nvPr/>
-        </p:nvSpPr>
-        <p:spPr>
-          <a:xfrm>
-            <a:off x="7048383" y="3495830"/>
-            <a:ext cx="332509" cy="5909310"/>
-          </a:xfrm>
-          <a:prstGeom prst="rect">
-            <a:avLst/>
-          </a:prstGeom>
-          <a:noFill/>
-        </p:spPr>
-        <p:txBody>
-          <a:bodyPr wrap="square" rtlCol="0">
-            <a:spAutoFit/>
-          </a:bodyPr>
-          <a:lstStyle/>
-          <a:p>
-            <a:r>
-              <a:rPr lang="hu-HU" dirty="0">
-                <a:solidFill>
-                  <a:schemeClr val="accent6">
-                    <a:lumMod val="75000"/>
-                  </a:schemeClr>
-                </a:solidFill>
-              </a:rPr>
-              <a:t>010101101110001010110</a:t>
-            </a:r>
-          </a:p>
-        </p:txBody>
-      </p:sp>
-      <p:sp>
-        <p:nvSpPr>
-          <p:cNvPr id="44" name="Szövegdoboz 43">
-            <a:extLst>
-              <a:ext uri="{FF2B5EF4-FFF2-40B4-BE49-F238E27FC236}">
-                <a16:creationId xmlns:a16="http://schemas.microsoft.com/office/drawing/2014/main" id="{E4FF71F5-4F7E-4043-977C-D87A70168012}"/>
-              </a:ext>
-            </a:extLst>
-          </p:cNvPr>
-          <p:cNvSpPr txBox="1"/>
-          <p:nvPr/>
-        </p:nvSpPr>
-        <p:spPr>
-          <a:xfrm>
-            <a:off x="6422473" y="-3056669"/>
-            <a:ext cx="332509" cy="5909310"/>
-          </a:xfrm>
-          <a:prstGeom prst="rect">
-            <a:avLst/>
-          </a:prstGeom>
-          <a:noFill/>
-        </p:spPr>
-        <p:txBody>
-          <a:bodyPr wrap="square" rtlCol="0">
-            <a:spAutoFit/>
-          </a:bodyPr>
-          <a:lstStyle/>
-          <a:p>
-            <a:r>
-              <a:rPr lang="hu-HU" dirty="0">
-                <a:solidFill>
-                  <a:schemeClr val="accent6">
-                    <a:lumMod val="75000"/>
-                  </a:schemeClr>
-                </a:solidFill>
-              </a:rPr>
-              <a:t>010101101110001010110</a:t>
-            </a:r>
-          </a:p>
-        </p:txBody>
-      </p:sp>
-      <p:sp>
-        <p:nvSpPr>
-          <p:cNvPr id="45" name="Szövegdoboz 44">
-            <a:extLst>
-              <a:ext uri="{FF2B5EF4-FFF2-40B4-BE49-F238E27FC236}">
-                <a16:creationId xmlns:a16="http://schemas.microsoft.com/office/drawing/2014/main" id="{DB942F04-8719-4B4A-B4F9-33B4EBC35C8F}"/>
-              </a:ext>
-            </a:extLst>
-          </p:cNvPr>
-          <p:cNvSpPr txBox="1"/>
-          <p:nvPr/>
-        </p:nvSpPr>
-        <p:spPr>
-          <a:xfrm>
-            <a:off x="6798430" y="-3056669"/>
-            <a:ext cx="332509" cy="5909310"/>
-          </a:xfrm>
-          <a:prstGeom prst="rect">
-            <a:avLst/>
-          </a:prstGeom>
-          <a:noFill/>
-        </p:spPr>
-        <p:txBody>
-          <a:bodyPr wrap="square" rtlCol="0">
-            <a:spAutoFit/>
-          </a:bodyPr>
-          <a:lstStyle/>
-          <a:p>
-            <a:r>
-              <a:rPr lang="hu-HU" dirty="0">
-                <a:solidFill>
-                  <a:schemeClr val="accent6">
-                    <a:lumMod val="75000"/>
-                  </a:schemeClr>
-                </a:solidFill>
-              </a:rPr>
-              <a:t>010101101110001010110</a:t>
-            </a:r>
-          </a:p>
-        </p:txBody>
-      </p:sp>
-      <p:sp>
-        <p:nvSpPr>
-          <p:cNvPr id="46" name="Szövegdoboz 45">
-            <a:extLst>
-              <a:ext uri="{FF2B5EF4-FFF2-40B4-BE49-F238E27FC236}">
-                <a16:creationId xmlns:a16="http://schemas.microsoft.com/office/drawing/2014/main" id="{DB2E27B4-8BCB-4584-97E5-9EAB82B6F48D}"/>
-              </a:ext>
-            </a:extLst>
-          </p:cNvPr>
-          <p:cNvSpPr txBox="1"/>
-          <p:nvPr/>
-        </p:nvSpPr>
-        <p:spPr>
-          <a:xfrm>
-            <a:off x="7112509" y="-3025111"/>
-            <a:ext cx="332509" cy="5909310"/>
-          </a:xfrm>
-          <a:prstGeom prst="rect">
-            <a:avLst/>
-          </a:prstGeom>
-          <a:noFill/>
-        </p:spPr>
-        <p:txBody>
-          <a:bodyPr wrap="square" rtlCol="0">
-            <a:spAutoFit/>
-          </a:bodyPr>
-          <a:lstStyle/>
-          <a:p>
-            <a:r>
-              <a:rPr lang="hu-HU" dirty="0">
-                <a:solidFill>
-                  <a:schemeClr val="accent6">
-                    <a:lumMod val="75000"/>
-                  </a:schemeClr>
-                </a:solidFill>
-              </a:rPr>
-              <a:t>010101101110001010110</a:t>
-            </a:r>
-          </a:p>
-        </p:txBody>
-      </p:sp>
-      <p:sp>
-        <p:nvSpPr>
-          <p:cNvPr id="47" name="Szövegdoboz 46">
-            <a:extLst>
-              <a:ext uri="{FF2B5EF4-FFF2-40B4-BE49-F238E27FC236}">
-                <a16:creationId xmlns:a16="http://schemas.microsoft.com/office/drawing/2014/main" id="{DEAB9910-B1FC-4549-9E50-B9D0849416DC}"/>
-              </a:ext>
-            </a:extLst>
-          </p:cNvPr>
-          <p:cNvSpPr txBox="1"/>
-          <p:nvPr/>
-        </p:nvSpPr>
-        <p:spPr>
-          <a:xfrm>
-            <a:off x="763594" y="4412852"/>
-            <a:ext cx="332509" cy="5909310"/>
-          </a:xfrm>
-          <a:prstGeom prst="rect">
-            <a:avLst/>
-          </a:prstGeom>
-          <a:noFill/>
-        </p:spPr>
-        <p:txBody>
-          <a:bodyPr wrap="square" rtlCol="0">
-            <a:spAutoFit/>
-          </a:bodyPr>
-          <a:lstStyle/>
-          <a:p>
-            <a:r>
-              <a:rPr lang="hu-HU" dirty="0">
-                <a:solidFill>
-                  <a:schemeClr val="accent6">
-                    <a:lumMod val="75000"/>
-                  </a:schemeClr>
-                </a:solidFill>
-              </a:rPr>
-              <a:t>010101101110001010110</a:t>
-            </a:r>
-          </a:p>
-        </p:txBody>
-      </p:sp>
-      <p:sp>
-        <p:nvSpPr>
-          <p:cNvPr id="48" name="Szövegdoboz 47">
-            <a:extLst>
-              <a:ext uri="{FF2B5EF4-FFF2-40B4-BE49-F238E27FC236}">
-                <a16:creationId xmlns:a16="http://schemas.microsoft.com/office/drawing/2014/main" id="{2B0296FA-B6A9-4E71-B607-CD4796CE4577}"/>
-              </a:ext>
-            </a:extLst>
-          </p:cNvPr>
-          <p:cNvSpPr txBox="1"/>
-          <p:nvPr/>
-        </p:nvSpPr>
-        <p:spPr>
-          <a:xfrm>
-            <a:off x="7462283" y="-2353309"/>
-            <a:ext cx="332509" cy="5909310"/>
-          </a:xfrm>
-          <a:prstGeom prst="rect">
-            <a:avLst/>
-          </a:prstGeom>
-          <a:noFill/>
-        </p:spPr>
-        <p:txBody>
-          <a:bodyPr wrap="square" rtlCol="0">
-            <a:spAutoFit/>
-          </a:bodyPr>
-          <a:lstStyle/>
-          <a:p>
-            <a:r>
-              <a:rPr lang="hu-HU" dirty="0">
-                <a:solidFill>
-                  <a:schemeClr val="accent6">
-                    <a:lumMod val="75000"/>
-                  </a:schemeClr>
-                </a:solidFill>
-              </a:rPr>
-              <a:t>010101101110001010110</a:t>
-            </a:r>
-          </a:p>
-        </p:txBody>
-      </p:sp>
-      <p:sp>
-        <p:nvSpPr>
-          <p:cNvPr id="49" name="Szövegdoboz 48">
-            <a:extLst>
-              <a:ext uri="{FF2B5EF4-FFF2-40B4-BE49-F238E27FC236}">
-                <a16:creationId xmlns:a16="http://schemas.microsoft.com/office/drawing/2014/main" id="{572AB83C-FF8E-4D59-BD94-5FD83CA17BA5}"/>
-              </a:ext>
-            </a:extLst>
-          </p:cNvPr>
-          <p:cNvSpPr txBox="1"/>
-          <p:nvPr/>
-        </p:nvSpPr>
-        <p:spPr>
-          <a:xfrm>
-            <a:off x="3173214" y="-1876370"/>
-            <a:ext cx="332509" cy="5909310"/>
-          </a:xfrm>
-          <a:prstGeom prst="rect">
-            <a:avLst/>
-          </a:prstGeom>
-          <a:noFill/>
-        </p:spPr>
-        <p:txBody>
-          <a:bodyPr wrap="square" rtlCol="0">
-            <a:spAutoFit/>
-          </a:bodyPr>
-          <a:lstStyle/>
-          <a:p>
-            <a:r>
-              <a:rPr lang="hu-HU" dirty="0">
-                <a:solidFill>
-                  <a:schemeClr val="accent6">
-                    <a:lumMod val="75000"/>
-                  </a:schemeClr>
-                </a:solidFill>
-              </a:rPr>
-              <a:t>010101101110001010110</a:t>
-            </a:r>
-          </a:p>
-        </p:txBody>
-      </p:sp>
-      <p:sp>
-        <p:nvSpPr>
-          <p:cNvPr id="50" name="Szövegdoboz 49">
-            <a:extLst>
-              <a:ext uri="{FF2B5EF4-FFF2-40B4-BE49-F238E27FC236}">
-                <a16:creationId xmlns:a16="http://schemas.microsoft.com/office/drawing/2014/main" id="{B0E0252F-7115-4579-94B8-36E9738F7D13}"/>
-              </a:ext>
-            </a:extLst>
-          </p:cNvPr>
-          <p:cNvSpPr txBox="1"/>
-          <p:nvPr/>
-        </p:nvSpPr>
-        <p:spPr>
-          <a:xfrm>
-            <a:off x="3189546" y="3944693"/>
-            <a:ext cx="332509" cy="5909310"/>
-          </a:xfrm>
-          <a:prstGeom prst="rect">
-            <a:avLst/>
-          </a:prstGeom>
-          <a:noFill/>
-        </p:spPr>
-        <p:txBody>
-          <a:bodyPr wrap="square" rtlCol="0">
-            <a:spAutoFit/>
-          </a:bodyPr>
-          <a:lstStyle/>
-          <a:p>
-            <a:r>
-              <a:rPr lang="hu-HU" dirty="0">
-                <a:solidFill>
-                  <a:schemeClr val="accent6">
-                    <a:lumMod val="75000"/>
-                  </a:schemeClr>
-                </a:solidFill>
-              </a:rPr>
-              <a:t>010101101110001010110</a:t>
-            </a:r>
-          </a:p>
-        </p:txBody>
-      </p:sp>
-      <p:sp>
-        <p:nvSpPr>
-          <p:cNvPr id="51" name="Szövegdoboz 50">
-            <a:extLst>
-              <a:ext uri="{FF2B5EF4-FFF2-40B4-BE49-F238E27FC236}">
-                <a16:creationId xmlns:a16="http://schemas.microsoft.com/office/drawing/2014/main" id="{EAA4F40C-6D27-4BC1-8574-EE65A6C53E4E}"/>
-              </a:ext>
-            </a:extLst>
-          </p:cNvPr>
-          <p:cNvSpPr txBox="1"/>
-          <p:nvPr/>
-        </p:nvSpPr>
-        <p:spPr>
-          <a:xfrm>
-            <a:off x="3571997" y="3158395"/>
-            <a:ext cx="332509" cy="5909310"/>
-          </a:xfrm>
-          <a:prstGeom prst="rect">
-            <a:avLst/>
-          </a:prstGeom>
-          <a:noFill/>
-        </p:spPr>
-        <p:txBody>
-          <a:bodyPr wrap="square" rtlCol="0">
-            <a:spAutoFit/>
-          </a:bodyPr>
-          <a:lstStyle/>
-          <a:p>
-            <a:r>
-              <a:rPr lang="hu-HU" dirty="0">
-                <a:solidFill>
-                  <a:schemeClr val="accent6">
-                    <a:lumMod val="75000"/>
-                  </a:schemeClr>
-                </a:solidFill>
-              </a:rPr>
-              <a:t>010101101110001010110</a:t>
-            </a:r>
-          </a:p>
-        </p:txBody>
-      </p:sp>
-      <p:sp>
-        <p:nvSpPr>
-          <p:cNvPr id="52" name="Szövegdoboz 51">
-            <a:extLst>
-              <a:ext uri="{FF2B5EF4-FFF2-40B4-BE49-F238E27FC236}">
-                <a16:creationId xmlns:a16="http://schemas.microsoft.com/office/drawing/2014/main" id="{6F898109-844C-418F-8587-F95FFB16AD99}"/>
-              </a:ext>
-            </a:extLst>
-          </p:cNvPr>
-          <p:cNvSpPr txBox="1"/>
-          <p:nvPr/>
-        </p:nvSpPr>
-        <p:spPr>
-          <a:xfrm>
-            <a:off x="3542983" y="-2639937"/>
-            <a:ext cx="332509" cy="5909310"/>
-          </a:xfrm>
-          <a:prstGeom prst="rect">
-            <a:avLst/>
-          </a:prstGeom>
-          <a:noFill/>
-        </p:spPr>
-        <p:txBody>
-          <a:bodyPr wrap="square" rtlCol="0">
-            <a:spAutoFit/>
-          </a:bodyPr>
-          <a:lstStyle/>
-          <a:p>
-            <a:r>
-              <a:rPr lang="hu-HU" dirty="0">
-                <a:solidFill>
-                  <a:schemeClr val="accent6">
-                    <a:lumMod val="75000"/>
-                  </a:schemeClr>
-                </a:solidFill>
-              </a:rPr>
-              <a:t>010101101110001010110</a:t>
-            </a:r>
-          </a:p>
-        </p:txBody>
-      </p:sp>
-      <p:sp>
-        <p:nvSpPr>
-          <p:cNvPr id="53" name="Szövegdoboz 52">
-            <a:extLst>
-              <a:ext uri="{FF2B5EF4-FFF2-40B4-BE49-F238E27FC236}">
-                <a16:creationId xmlns:a16="http://schemas.microsoft.com/office/drawing/2014/main" id="{DD402FF9-CE9E-4867-B4AE-3BF08E7C9561}"/>
-              </a:ext>
-            </a:extLst>
-          </p:cNvPr>
-          <p:cNvSpPr txBox="1"/>
-          <p:nvPr/>
-        </p:nvSpPr>
-        <p:spPr>
-          <a:xfrm>
-            <a:off x="3972421" y="3064182"/>
-            <a:ext cx="332509" cy="5909310"/>
-          </a:xfrm>
-          <a:prstGeom prst="rect">
-            <a:avLst/>
-          </a:prstGeom>
-          <a:noFill/>
-        </p:spPr>
-        <p:txBody>
-          <a:bodyPr wrap="square" rtlCol="0">
-            <a:spAutoFit/>
-          </a:bodyPr>
-          <a:lstStyle/>
-          <a:p>
-            <a:r>
-              <a:rPr lang="hu-HU" dirty="0">
-                <a:solidFill>
-                  <a:schemeClr val="accent6">
-                    <a:lumMod val="75000"/>
-                  </a:schemeClr>
-                </a:solidFill>
-              </a:rPr>
-              <a:t>010101101110001010110</a:t>
-            </a:r>
-          </a:p>
-        </p:txBody>
-      </p:sp>
-      <p:sp>
-        <p:nvSpPr>
-          <p:cNvPr id="54" name="Szövegdoboz 53">
-            <a:extLst>
-              <a:ext uri="{FF2B5EF4-FFF2-40B4-BE49-F238E27FC236}">
-                <a16:creationId xmlns:a16="http://schemas.microsoft.com/office/drawing/2014/main" id="{2F7AD69D-D5A2-4482-BF80-FED333DF8EA0}"/>
-              </a:ext>
-            </a:extLst>
-          </p:cNvPr>
-          <p:cNvSpPr txBox="1"/>
-          <p:nvPr/>
-        </p:nvSpPr>
-        <p:spPr>
-          <a:xfrm>
-            <a:off x="3954448" y="-2723169"/>
-            <a:ext cx="332509" cy="5909310"/>
-          </a:xfrm>
-          <a:prstGeom prst="rect">
-            <a:avLst/>
-          </a:prstGeom>
-          <a:noFill/>
-        </p:spPr>
-        <p:txBody>
-          <a:bodyPr wrap="square" rtlCol="0">
-            <a:spAutoFit/>
-          </a:bodyPr>
-          <a:lstStyle/>
-          <a:p>
-            <a:r>
-              <a:rPr lang="hu-HU" dirty="0">
-                <a:solidFill>
-                  <a:schemeClr val="accent6">
-                    <a:lumMod val="75000"/>
-                  </a:schemeClr>
-                </a:solidFill>
-              </a:rPr>
-              <a:t>010101101110001010110</a:t>
-            </a:r>
-          </a:p>
-        </p:txBody>
-      </p:sp>
-      <p:sp>
-        <p:nvSpPr>
-          <p:cNvPr id="55" name="Szövegdoboz 54">
-            <a:extLst>
-              <a:ext uri="{FF2B5EF4-FFF2-40B4-BE49-F238E27FC236}">
-                <a16:creationId xmlns:a16="http://schemas.microsoft.com/office/drawing/2014/main" id="{BC6769DE-BD63-446F-85D9-5AE7A2917279}"/>
-              </a:ext>
-            </a:extLst>
-          </p:cNvPr>
-          <p:cNvSpPr txBox="1"/>
-          <p:nvPr/>
-        </p:nvSpPr>
-        <p:spPr>
-          <a:xfrm>
-            <a:off x="8410823" y="-2257337"/>
-            <a:ext cx="332509" cy="5909310"/>
-          </a:xfrm>
-          <a:prstGeom prst="rect">
-            <a:avLst/>
-          </a:prstGeom>
-          <a:noFill/>
-        </p:spPr>
-        <p:txBody>
-          <a:bodyPr wrap="square" rtlCol="0">
-            <a:spAutoFit/>
-          </a:bodyPr>
-          <a:lstStyle/>
-          <a:p>
-            <a:r>
-              <a:rPr lang="hu-HU" dirty="0">
-                <a:solidFill>
-                  <a:schemeClr val="accent6">
-                    <a:lumMod val="75000"/>
-                  </a:schemeClr>
-                </a:solidFill>
-              </a:rPr>
-              <a:t>010101101110001010110</a:t>
-            </a:r>
-          </a:p>
-        </p:txBody>
-      </p:sp>
-      <p:sp>
-        <p:nvSpPr>
-          <p:cNvPr id="56" name="Szövegdoboz 55">
-            <a:extLst>
-              <a:ext uri="{FF2B5EF4-FFF2-40B4-BE49-F238E27FC236}">
-                <a16:creationId xmlns:a16="http://schemas.microsoft.com/office/drawing/2014/main" id="{2E2BB549-F583-48C6-BD33-D84252E56C64}"/>
-              </a:ext>
-            </a:extLst>
-          </p:cNvPr>
-          <p:cNvSpPr txBox="1"/>
-          <p:nvPr/>
-        </p:nvSpPr>
-        <p:spPr>
-          <a:xfrm>
-            <a:off x="9438758" y="2860736"/>
-            <a:ext cx="332509" cy="5909310"/>
-          </a:xfrm>
-          <a:prstGeom prst="rect">
-            <a:avLst/>
-          </a:prstGeom>
-          <a:noFill/>
-        </p:spPr>
-        <p:txBody>
-          <a:bodyPr wrap="square" rtlCol="0">
-            <a:spAutoFit/>
-          </a:bodyPr>
-          <a:lstStyle/>
-          <a:p>
-            <a:r>
-              <a:rPr lang="hu-HU" dirty="0">
-                <a:solidFill>
-                  <a:schemeClr val="accent6">
-                    <a:lumMod val="75000"/>
-                  </a:schemeClr>
-                </a:solidFill>
-              </a:rPr>
-              <a:t>010101101110001010110</a:t>
-            </a:r>
-          </a:p>
-        </p:txBody>
-      </p:sp>
-      <p:sp>
-        <p:nvSpPr>
-          <p:cNvPr id="57" name="Szövegdoboz 56">
-            <a:extLst>
-              <a:ext uri="{FF2B5EF4-FFF2-40B4-BE49-F238E27FC236}">
-                <a16:creationId xmlns:a16="http://schemas.microsoft.com/office/drawing/2014/main" id="{5D9EA5BA-26CE-480B-B636-06EBF2F285CE}"/>
-              </a:ext>
-            </a:extLst>
-          </p:cNvPr>
-          <p:cNvSpPr txBox="1"/>
-          <p:nvPr/>
-        </p:nvSpPr>
-        <p:spPr>
-          <a:xfrm>
-            <a:off x="9487057" y="-3177880"/>
-            <a:ext cx="332509" cy="5909310"/>
-          </a:xfrm>
-          <a:prstGeom prst="rect">
-            <a:avLst/>
-          </a:prstGeom>
-          <a:noFill/>
-        </p:spPr>
-        <p:txBody>
-          <a:bodyPr wrap="square" rtlCol="0">
-            <a:spAutoFit/>
-          </a:bodyPr>
-          <a:lstStyle/>
-          <a:p>
-            <a:r>
-              <a:rPr lang="hu-HU" dirty="0">
-                <a:solidFill>
-                  <a:schemeClr val="accent6">
-                    <a:lumMod val="75000"/>
-                  </a:schemeClr>
-                </a:solidFill>
-              </a:rPr>
-              <a:t>010101101110001010110</a:t>
-            </a:r>
-          </a:p>
-        </p:txBody>
-      </p:sp>
-      <p:sp>
-        <p:nvSpPr>
-          <p:cNvPr id="58" name="Szövegdoboz 57">
-            <a:extLst>
-              <a:ext uri="{FF2B5EF4-FFF2-40B4-BE49-F238E27FC236}">
-                <a16:creationId xmlns:a16="http://schemas.microsoft.com/office/drawing/2014/main" id="{AD98391E-E528-4987-B69C-5924280EF8A3}"/>
-              </a:ext>
-            </a:extLst>
-          </p:cNvPr>
-          <p:cNvSpPr txBox="1"/>
-          <p:nvPr/>
-        </p:nvSpPr>
-        <p:spPr>
-          <a:xfrm>
-            <a:off x="9918817" y="2458800"/>
-            <a:ext cx="332509" cy="5909310"/>
-          </a:xfrm>
-          <a:prstGeom prst="rect">
-            <a:avLst/>
-          </a:prstGeom>
-          <a:noFill/>
-        </p:spPr>
-        <p:txBody>
-          <a:bodyPr wrap="square" rtlCol="0">
-            <a:spAutoFit/>
-          </a:bodyPr>
-          <a:lstStyle/>
-          <a:p>
-            <a:r>
-              <a:rPr lang="hu-HU" dirty="0">
-                <a:solidFill>
-                  <a:schemeClr val="accent6">
-                    <a:lumMod val="75000"/>
-                  </a:schemeClr>
-                </a:solidFill>
-              </a:rPr>
-              <a:t>010101101110001010110</a:t>
-            </a:r>
-          </a:p>
-        </p:txBody>
-      </p:sp>
-      <p:sp>
-        <p:nvSpPr>
-          <p:cNvPr id="59" name="Szövegdoboz 58">
-            <a:extLst>
-              <a:ext uri="{FF2B5EF4-FFF2-40B4-BE49-F238E27FC236}">
-                <a16:creationId xmlns:a16="http://schemas.microsoft.com/office/drawing/2014/main" id="{39763F3F-92B9-4FA3-9871-61BD261631C9}"/>
-              </a:ext>
-            </a:extLst>
-          </p:cNvPr>
-          <p:cNvSpPr txBox="1"/>
-          <p:nvPr/>
-        </p:nvSpPr>
-        <p:spPr>
-          <a:xfrm>
-            <a:off x="9919303" y="-3289532"/>
-            <a:ext cx="332509" cy="5909310"/>
-          </a:xfrm>
-          <a:prstGeom prst="rect">
-            <a:avLst/>
-          </a:prstGeom>
-          <a:noFill/>
-        </p:spPr>
-        <p:txBody>
-          <a:bodyPr wrap="square" rtlCol="0">
-            <a:spAutoFit/>
-          </a:bodyPr>
-          <a:lstStyle/>
-          <a:p>
-            <a:r>
-              <a:rPr lang="hu-HU" dirty="0">
-                <a:solidFill>
-                  <a:schemeClr val="accent6">
-                    <a:lumMod val="75000"/>
-                  </a:schemeClr>
-                </a:solidFill>
-              </a:rPr>
-              <a:t>010101101110001010110</a:t>
-            </a:r>
-          </a:p>
-        </p:txBody>
-      </p:sp>
-      <p:sp>
-        <p:nvSpPr>
-          <p:cNvPr id="60" name="Szövegdoboz 59">
-            <a:extLst>
-              <a:ext uri="{FF2B5EF4-FFF2-40B4-BE49-F238E27FC236}">
-                <a16:creationId xmlns:a16="http://schemas.microsoft.com/office/drawing/2014/main" id="{138F4B0A-A3C3-4464-A0CC-14822AD00A0E}"/>
-              </a:ext>
-            </a:extLst>
-          </p:cNvPr>
-          <p:cNvSpPr txBox="1"/>
-          <p:nvPr/>
-        </p:nvSpPr>
-        <p:spPr>
-          <a:xfrm>
-            <a:off x="10335734" y="1996099"/>
-            <a:ext cx="332509" cy="5909310"/>
-          </a:xfrm>
-          <a:prstGeom prst="rect">
-            <a:avLst/>
-          </a:prstGeom>
-          <a:noFill/>
-        </p:spPr>
-        <p:txBody>
-          <a:bodyPr wrap="square" rtlCol="0">
-            <a:spAutoFit/>
-          </a:bodyPr>
-          <a:lstStyle/>
-          <a:p>
-            <a:r>
-              <a:rPr lang="hu-HU" dirty="0">
-                <a:solidFill>
-                  <a:schemeClr val="accent6">
-                    <a:lumMod val="75000"/>
-                  </a:schemeClr>
-                </a:solidFill>
-              </a:rPr>
-              <a:t>010101101110001010110</a:t>
-            </a:r>
-          </a:p>
-        </p:txBody>
-      </p:sp>
-      <p:sp>
-        <p:nvSpPr>
-          <p:cNvPr id="61" name="Szövegdoboz 60">
-            <a:extLst>
-              <a:ext uri="{FF2B5EF4-FFF2-40B4-BE49-F238E27FC236}">
-                <a16:creationId xmlns:a16="http://schemas.microsoft.com/office/drawing/2014/main" id="{42DF09FD-BDE5-43AE-9793-AC9386EC4BA2}"/>
-              </a:ext>
-            </a:extLst>
-          </p:cNvPr>
-          <p:cNvSpPr txBox="1"/>
-          <p:nvPr/>
-        </p:nvSpPr>
-        <p:spPr>
-          <a:xfrm>
-            <a:off x="10335612" y="-3796497"/>
-            <a:ext cx="332509" cy="5909310"/>
-          </a:xfrm>
-          <a:prstGeom prst="rect">
-            <a:avLst/>
-          </a:prstGeom>
-          <a:noFill/>
-        </p:spPr>
-        <p:txBody>
-          <a:bodyPr wrap="square" rtlCol="0">
-            <a:spAutoFit/>
-          </a:bodyPr>
-          <a:lstStyle/>
-          <a:p>
-            <a:r>
-              <a:rPr lang="hu-HU" dirty="0">
-                <a:solidFill>
-                  <a:schemeClr val="accent6">
-                    <a:lumMod val="75000"/>
-                  </a:schemeClr>
-                </a:solidFill>
-              </a:rPr>
-              <a:t>010101101110001010110</a:t>
-            </a:r>
-          </a:p>
-        </p:txBody>
-      </p:sp>
-      <p:sp>
-        <p:nvSpPr>
-          <p:cNvPr id="62" name="Szövegdoboz 61">
-            <a:extLst>
-              <a:ext uri="{FF2B5EF4-FFF2-40B4-BE49-F238E27FC236}">
-                <a16:creationId xmlns:a16="http://schemas.microsoft.com/office/drawing/2014/main" id="{B708CCD7-D0A6-4F1B-8E1E-30F2DA450511}"/>
-              </a:ext>
-            </a:extLst>
-          </p:cNvPr>
-          <p:cNvSpPr txBox="1"/>
-          <p:nvPr/>
-        </p:nvSpPr>
-        <p:spPr>
-          <a:xfrm>
-            <a:off x="10834594" y="-841842"/>
-            <a:ext cx="332509" cy="5909310"/>
-          </a:xfrm>
-          <a:prstGeom prst="rect">
-            <a:avLst/>
-          </a:prstGeom>
-          <a:noFill/>
-        </p:spPr>
-        <p:txBody>
-          <a:bodyPr wrap="square" rtlCol="0">
-            <a:spAutoFit/>
-          </a:bodyPr>
-          <a:lstStyle/>
-          <a:p>
-            <a:r>
-              <a:rPr lang="hu-HU" dirty="0">
-                <a:solidFill>
-                  <a:schemeClr val="accent6">
-                    <a:lumMod val="75000"/>
-                  </a:schemeClr>
-                </a:solidFill>
-              </a:rPr>
-              <a:t>010101101110001010110</a:t>
-            </a:r>
-          </a:p>
-        </p:txBody>
-      </p:sp>
-      <p:sp>
-        <p:nvSpPr>
-          <p:cNvPr id="63" name="Szövegdoboz 62">
-            <a:extLst>
-              <a:ext uri="{FF2B5EF4-FFF2-40B4-BE49-F238E27FC236}">
-                <a16:creationId xmlns:a16="http://schemas.microsoft.com/office/drawing/2014/main" id="{33CF6D1A-F74C-4661-A389-E4BA9021D11E}"/>
-              </a:ext>
-            </a:extLst>
-          </p:cNvPr>
-          <p:cNvSpPr txBox="1"/>
-          <p:nvPr/>
-        </p:nvSpPr>
-        <p:spPr>
-          <a:xfrm>
-            <a:off x="10834594" y="4920944"/>
-            <a:ext cx="332509" cy="5909310"/>
-          </a:xfrm>
-          <a:prstGeom prst="rect">
-            <a:avLst/>
-          </a:prstGeom>
-          <a:noFill/>
-        </p:spPr>
-        <p:txBody>
-          <a:bodyPr wrap="square" rtlCol="0">
-            <a:spAutoFit/>
-          </a:bodyPr>
-          <a:lstStyle/>
-          <a:p>
-            <a:r>
-              <a:rPr lang="hu-HU" dirty="0">
-                <a:solidFill>
-                  <a:schemeClr val="accent6">
-                    <a:lumMod val="75000"/>
-                  </a:schemeClr>
-                </a:solidFill>
-              </a:rPr>
-              <a:t>010101101110001010110</a:t>
-            </a:r>
-          </a:p>
-        </p:txBody>
-      </p:sp>
-      <p:sp>
-        <p:nvSpPr>
-          <p:cNvPr id="64" name="Szövegdoboz 63">
-            <a:extLst>
-              <a:ext uri="{FF2B5EF4-FFF2-40B4-BE49-F238E27FC236}">
-                <a16:creationId xmlns:a16="http://schemas.microsoft.com/office/drawing/2014/main" id="{0A74BBFF-E347-4F76-B5B2-6B721A459CAE}"/>
-              </a:ext>
-            </a:extLst>
-          </p:cNvPr>
-          <p:cNvSpPr txBox="1"/>
-          <p:nvPr/>
-        </p:nvSpPr>
-        <p:spPr>
-          <a:xfrm>
-            <a:off x="11284954" y="2366342"/>
-            <a:ext cx="332509" cy="5909310"/>
-          </a:xfrm>
-          <a:prstGeom prst="rect">
-            <a:avLst/>
-          </a:prstGeom>
-          <a:noFill/>
-        </p:spPr>
-        <p:txBody>
-          <a:bodyPr wrap="square" rtlCol="0">
-            <a:spAutoFit/>
-          </a:bodyPr>
-          <a:lstStyle/>
-          <a:p>
-            <a:r>
-              <a:rPr lang="hu-HU" dirty="0">
-                <a:solidFill>
-                  <a:schemeClr val="accent6">
-                    <a:lumMod val="75000"/>
-                  </a:schemeClr>
-                </a:solidFill>
-              </a:rPr>
-              <a:t>010101101110001010110</a:t>
-            </a:r>
-          </a:p>
-        </p:txBody>
-      </p:sp>
-      <p:sp>
-        <p:nvSpPr>
-          <p:cNvPr id="65" name="Szövegdoboz 64">
-            <a:extLst>
-              <a:ext uri="{FF2B5EF4-FFF2-40B4-BE49-F238E27FC236}">
-                <a16:creationId xmlns:a16="http://schemas.microsoft.com/office/drawing/2014/main" id="{4B8B6926-9D4C-43EC-8771-6351212E7156}"/>
-              </a:ext>
-            </a:extLst>
-          </p:cNvPr>
-          <p:cNvSpPr txBox="1"/>
-          <p:nvPr/>
-        </p:nvSpPr>
-        <p:spPr>
-          <a:xfrm>
-            <a:off x="11284953" y="-3425472"/>
-            <a:ext cx="332509" cy="5909310"/>
-          </a:xfrm>
-          <a:prstGeom prst="rect">
-            <a:avLst/>
-          </a:prstGeom>
-          <a:noFill/>
-        </p:spPr>
-        <p:txBody>
-          <a:bodyPr wrap="square" rtlCol="0">
-            <a:spAutoFit/>
-          </a:bodyPr>
-          <a:lstStyle/>
-          <a:p>
-            <a:r>
-              <a:rPr lang="hu-HU" dirty="0">
-                <a:solidFill>
-                  <a:schemeClr val="accent6">
-                    <a:lumMod val="75000"/>
-                  </a:schemeClr>
-                </a:solidFill>
-              </a:rPr>
-              <a:t>010101101110001010110</a:t>
-            </a:r>
-          </a:p>
-        </p:txBody>
-      </p:sp>
-      <p:sp>
-        <p:nvSpPr>
-          <p:cNvPr id="66" name="Szövegdoboz 65">
-            <a:extLst>
-              <a:ext uri="{FF2B5EF4-FFF2-40B4-BE49-F238E27FC236}">
-                <a16:creationId xmlns:a16="http://schemas.microsoft.com/office/drawing/2014/main" id="{56AE032D-33EA-4961-8738-D653850ADE5D}"/>
-              </a:ext>
-            </a:extLst>
-          </p:cNvPr>
-          <p:cNvSpPr txBox="1"/>
-          <p:nvPr/>
-        </p:nvSpPr>
-        <p:spPr>
-          <a:xfrm>
-            <a:off x="11732715" y="1718642"/>
-            <a:ext cx="332509" cy="5909310"/>
-          </a:xfrm>
-          <a:prstGeom prst="rect">
-            <a:avLst/>
-          </a:prstGeom>
-          <a:noFill/>
-        </p:spPr>
-        <p:txBody>
-          <a:bodyPr wrap="square" rtlCol="0">
-            <a:spAutoFit/>
-          </a:bodyPr>
-          <a:lstStyle/>
-          <a:p>
-            <a:r>
-              <a:rPr lang="hu-HU" dirty="0">
-                <a:solidFill>
-                  <a:schemeClr val="accent6">
-                    <a:lumMod val="75000"/>
-                  </a:schemeClr>
-                </a:solidFill>
-              </a:rPr>
-              <a:t>010101101110001010110</a:t>
-            </a:r>
-          </a:p>
-        </p:txBody>
-      </p:sp>
-      <p:sp>
-        <p:nvSpPr>
-          <p:cNvPr id="67" name="Szövegdoboz 66">
-            <a:extLst>
-              <a:ext uri="{FF2B5EF4-FFF2-40B4-BE49-F238E27FC236}">
-                <a16:creationId xmlns:a16="http://schemas.microsoft.com/office/drawing/2014/main" id="{6D8D5132-E285-45A1-83E9-E16279E89644}"/>
-              </a:ext>
-            </a:extLst>
-          </p:cNvPr>
-          <p:cNvSpPr txBox="1"/>
-          <p:nvPr/>
-        </p:nvSpPr>
-        <p:spPr>
-          <a:xfrm>
-            <a:off x="11732715" y="-4083010"/>
-            <a:ext cx="332509" cy="5909310"/>
-          </a:xfrm>
-          <a:prstGeom prst="rect">
-            <a:avLst/>
-          </a:prstGeom>
-          <a:noFill/>
-        </p:spPr>
-        <p:txBody>
-          <a:bodyPr wrap="square" rtlCol="0">
-            <a:spAutoFit/>
-          </a:bodyPr>
-          <a:lstStyle/>
-          <a:p>
-            <a:r>
-              <a:rPr lang="hu-HU" dirty="0">
-                <a:solidFill>
-                  <a:schemeClr val="accent6">
-                    <a:lumMod val="75000"/>
-                  </a:schemeClr>
-                </a:solidFill>
-              </a:rPr>
-              <a:t>010101101110001010110</a:t>
+              <a:t>Weblap részei</a:t>
             </a:r>
           </a:p>
         </p:txBody>
